--- a/doc/Diagram.pptx
+++ b/doc/Diagram.pptx
@@ -7,6 +7,9 @@
   <p:sldIdLst>
     <p:sldId id="256" r:id="rId2"/>
     <p:sldId id="257" r:id="rId3"/>
+    <p:sldId id="258" r:id="rId4"/>
+    <p:sldId id="259" r:id="rId5"/>
+    <p:sldId id="260" r:id="rId6"/>
   </p:sldIdLst>
   <p:sldSz cx="12192000" cy="6858000"/>
   <p:notesSz cx="6858000" cy="9144000"/>
@@ -260,7 +263,7 @@
           <a:p>
             <a:fld id="{E14CF8A4-1A57-48BB-9483-79AB2B5FEB5D}" type="datetimeFigureOut">
               <a:rPr lang="zh-CN" altLang="en-US" smtClean="0"/>
-              <a:t>2019/2/10</a:t>
+              <a:t>2019/3/14</a:t>
             </a:fld>
             <a:endParaRPr lang="zh-CN" altLang="en-US"/>
           </a:p>
@@ -458,7 +461,7 @@
           <a:p>
             <a:fld id="{E14CF8A4-1A57-48BB-9483-79AB2B5FEB5D}" type="datetimeFigureOut">
               <a:rPr lang="zh-CN" altLang="en-US" smtClean="0"/>
-              <a:t>2019/2/10</a:t>
+              <a:t>2019/3/14</a:t>
             </a:fld>
             <a:endParaRPr lang="zh-CN" altLang="en-US"/>
           </a:p>
@@ -666,7 +669,7 @@
           <a:p>
             <a:fld id="{E14CF8A4-1A57-48BB-9483-79AB2B5FEB5D}" type="datetimeFigureOut">
               <a:rPr lang="zh-CN" altLang="en-US" smtClean="0"/>
-              <a:t>2019/2/10</a:t>
+              <a:t>2019/3/14</a:t>
             </a:fld>
             <a:endParaRPr lang="zh-CN" altLang="en-US"/>
           </a:p>
@@ -864,7 +867,7 @@
           <a:p>
             <a:fld id="{E14CF8A4-1A57-48BB-9483-79AB2B5FEB5D}" type="datetimeFigureOut">
               <a:rPr lang="zh-CN" altLang="en-US" smtClean="0"/>
-              <a:t>2019/2/10</a:t>
+              <a:t>2019/3/14</a:t>
             </a:fld>
             <a:endParaRPr lang="zh-CN" altLang="en-US"/>
           </a:p>
@@ -1139,7 +1142,7 @@
           <a:p>
             <a:fld id="{E14CF8A4-1A57-48BB-9483-79AB2B5FEB5D}" type="datetimeFigureOut">
               <a:rPr lang="zh-CN" altLang="en-US" smtClean="0"/>
-              <a:t>2019/2/10</a:t>
+              <a:t>2019/3/14</a:t>
             </a:fld>
             <a:endParaRPr lang="zh-CN" altLang="en-US"/>
           </a:p>
@@ -1404,7 +1407,7 @@
           <a:p>
             <a:fld id="{E14CF8A4-1A57-48BB-9483-79AB2B5FEB5D}" type="datetimeFigureOut">
               <a:rPr lang="zh-CN" altLang="en-US" smtClean="0"/>
-              <a:t>2019/2/10</a:t>
+              <a:t>2019/3/14</a:t>
             </a:fld>
             <a:endParaRPr lang="zh-CN" altLang="en-US"/>
           </a:p>
@@ -1816,7 +1819,7 @@
           <a:p>
             <a:fld id="{E14CF8A4-1A57-48BB-9483-79AB2B5FEB5D}" type="datetimeFigureOut">
               <a:rPr lang="zh-CN" altLang="en-US" smtClean="0"/>
-              <a:t>2019/2/10</a:t>
+              <a:t>2019/3/14</a:t>
             </a:fld>
             <a:endParaRPr lang="zh-CN" altLang="en-US"/>
           </a:p>
@@ -1957,7 +1960,7 @@
           <a:p>
             <a:fld id="{E14CF8A4-1A57-48BB-9483-79AB2B5FEB5D}" type="datetimeFigureOut">
               <a:rPr lang="zh-CN" altLang="en-US" smtClean="0"/>
-              <a:t>2019/2/10</a:t>
+              <a:t>2019/3/14</a:t>
             </a:fld>
             <a:endParaRPr lang="zh-CN" altLang="en-US"/>
           </a:p>
@@ -2070,7 +2073,7 @@
           <a:p>
             <a:fld id="{E14CF8A4-1A57-48BB-9483-79AB2B5FEB5D}" type="datetimeFigureOut">
               <a:rPr lang="zh-CN" altLang="en-US" smtClean="0"/>
-              <a:t>2019/2/10</a:t>
+              <a:t>2019/3/14</a:t>
             </a:fld>
             <a:endParaRPr lang="zh-CN" altLang="en-US"/>
           </a:p>
@@ -2381,7 +2384,7 @@
           <a:p>
             <a:fld id="{E14CF8A4-1A57-48BB-9483-79AB2B5FEB5D}" type="datetimeFigureOut">
               <a:rPr lang="zh-CN" altLang="en-US" smtClean="0"/>
-              <a:t>2019/2/10</a:t>
+              <a:t>2019/3/14</a:t>
             </a:fld>
             <a:endParaRPr lang="zh-CN" altLang="en-US"/>
           </a:p>
@@ -2669,7 +2672,7 @@
           <a:p>
             <a:fld id="{E14CF8A4-1A57-48BB-9483-79AB2B5FEB5D}" type="datetimeFigureOut">
               <a:rPr lang="zh-CN" altLang="en-US" smtClean="0"/>
-              <a:t>2019/2/10</a:t>
+              <a:t>2019/3/14</a:t>
             </a:fld>
             <a:endParaRPr lang="zh-CN" altLang="en-US"/>
           </a:p>
@@ -2910,7 +2913,7 @@
           <a:p>
             <a:fld id="{E14CF8A4-1A57-48BB-9483-79AB2B5FEB5D}" type="datetimeFigureOut">
               <a:rPr lang="zh-CN" altLang="en-US" smtClean="0"/>
-              <a:t>2019/2/10</a:t>
+              <a:t>2019/3/14</a:t>
             </a:fld>
             <a:endParaRPr lang="zh-CN" altLang="en-US"/>
           </a:p>
@@ -5880,6 +5883,3356 @@
 </p:sld>
 </file>
 
+<file path=ppt/slides/slide3.xml><?xml version="1.0" encoding="utf-8"?>
+<p:sld xmlns:a="http://schemas.openxmlformats.org/drawingml/2006/main" xmlns:r="http://schemas.openxmlformats.org/officeDocument/2006/relationships" xmlns:p="http://schemas.openxmlformats.org/presentationml/2006/main">
+  <p:cSld>
+    <p:spTree>
+      <p:nvGrpSpPr>
+        <p:cNvPr id="1" name=""/>
+        <p:cNvGrpSpPr/>
+        <p:nvPr/>
+      </p:nvGrpSpPr>
+      <p:grpSpPr>
+        <a:xfrm>
+          <a:off x="0" y="0"/>
+          <a:ext cx="0" cy="0"/>
+          <a:chOff x="0" y="0"/>
+          <a:chExt cx="0" cy="0"/>
+        </a:xfrm>
+      </p:grpSpPr>
+      <p:grpSp>
+        <p:nvGrpSpPr>
+          <p:cNvPr id="8" name="组合 7">
+            <a:extLst>
+              <a:ext uri="{FF2B5EF4-FFF2-40B4-BE49-F238E27FC236}">
+                <a16:creationId xmlns:a16="http://schemas.microsoft.com/office/drawing/2014/main" id="{6BBF5554-A06A-477F-A6CC-0F3124C6F794}"/>
+              </a:ext>
+            </a:extLst>
+          </p:cNvPr>
+          <p:cNvGrpSpPr/>
+          <p:nvPr/>
+        </p:nvGrpSpPr>
+        <p:grpSpPr>
+          <a:xfrm>
+            <a:off x="2823036" y="1072225"/>
+            <a:ext cx="1308370" cy="1307690"/>
+            <a:chOff x="1714942" y="1108364"/>
+            <a:chExt cx="1308370" cy="1307690"/>
+          </a:xfrm>
+        </p:grpSpPr>
+        <p:sp>
+          <p:nvSpPr>
+            <p:cNvPr id="5" name="笑脸 4">
+              <a:extLst>
+                <a:ext uri="{FF2B5EF4-FFF2-40B4-BE49-F238E27FC236}">
+                  <a16:creationId xmlns:a16="http://schemas.microsoft.com/office/drawing/2014/main" id="{13EF2DEA-88B6-43F3-998F-766B7F0069E3}"/>
+                </a:ext>
+              </a:extLst>
+            </p:cNvPr>
+            <p:cNvSpPr/>
+            <p:nvPr/>
+          </p:nvSpPr>
+          <p:spPr>
+            <a:xfrm>
+              <a:off x="2068945" y="1108364"/>
+              <a:ext cx="600364" cy="600364"/>
+            </a:xfrm>
+            <a:prstGeom prst="smileyFace">
+              <a:avLst/>
+            </a:prstGeom>
+          </p:spPr>
+          <p:style>
+            <a:lnRef idx="2">
+              <a:schemeClr val="dk1"/>
+            </a:lnRef>
+            <a:fillRef idx="1">
+              <a:schemeClr val="lt1"/>
+            </a:fillRef>
+            <a:effectRef idx="0">
+              <a:schemeClr val="dk1"/>
+            </a:effectRef>
+            <a:fontRef idx="minor">
+              <a:schemeClr val="dk1"/>
+            </a:fontRef>
+          </p:style>
+          <p:txBody>
+            <a:bodyPr rtlCol="0" anchor="ctr"/>
+            <a:lstStyle/>
+            <a:p>
+              <a:pPr algn="ctr"/>
+              <a:endParaRPr lang="zh-CN" altLang="en-US"/>
+            </a:p>
+          </p:txBody>
+        </p:sp>
+        <p:sp>
+          <p:nvSpPr>
+            <p:cNvPr id="7" name="文本框 6">
+              <a:extLst>
+                <a:ext uri="{FF2B5EF4-FFF2-40B4-BE49-F238E27FC236}">
+                  <a16:creationId xmlns:a16="http://schemas.microsoft.com/office/drawing/2014/main" id="{8DF47530-2047-45B6-B86E-56AE08B4239D}"/>
+                </a:ext>
+              </a:extLst>
+            </p:cNvPr>
+            <p:cNvSpPr txBox="1"/>
+            <p:nvPr/>
+          </p:nvSpPr>
+          <p:spPr>
+            <a:xfrm>
+              <a:off x="1714942" y="1831279"/>
+              <a:ext cx="1308370" cy="584775"/>
+            </a:xfrm>
+            <a:prstGeom prst="rect">
+              <a:avLst/>
+            </a:prstGeom>
+            <a:noFill/>
+          </p:spPr>
+          <p:txBody>
+            <a:bodyPr wrap="none" rtlCol="0">
+              <a:spAutoFit/>
+            </a:bodyPr>
+            <a:lstStyle/>
+            <a:p>
+              <a:pPr algn="ctr"/>
+              <a:r>
+                <a:rPr lang="en-US" altLang="zh-CN" sz="1600" dirty="0"/>
+                <a:t>Food Keeper</a:t>
+              </a:r>
+            </a:p>
+            <a:p>
+              <a:pPr algn="ctr"/>
+              <a:r>
+                <a:rPr lang="en-US" altLang="zh-CN" sz="1600" dirty="0"/>
+                <a:t>Agent</a:t>
+              </a:r>
+              <a:endParaRPr lang="zh-CN" altLang="en-US" sz="1600" dirty="0"/>
+            </a:p>
+          </p:txBody>
+        </p:sp>
+      </p:grpSp>
+      <p:grpSp>
+        <p:nvGrpSpPr>
+          <p:cNvPr id="9" name="组合 8">
+            <a:extLst>
+              <a:ext uri="{FF2B5EF4-FFF2-40B4-BE49-F238E27FC236}">
+                <a16:creationId xmlns:a16="http://schemas.microsoft.com/office/drawing/2014/main" id="{AB30BD60-89F5-4BCC-AB33-6D39E56A434A}"/>
+              </a:ext>
+            </a:extLst>
+          </p:cNvPr>
+          <p:cNvGrpSpPr/>
+          <p:nvPr/>
+        </p:nvGrpSpPr>
+        <p:grpSpPr>
+          <a:xfrm>
+            <a:off x="4987639" y="1069795"/>
+            <a:ext cx="1460657" cy="1279409"/>
+            <a:chOff x="1638800" y="1108364"/>
+            <a:chExt cx="1460657" cy="1279409"/>
+          </a:xfrm>
+        </p:grpSpPr>
+        <p:sp>
+          <p:nvSpPr>
+            <p:cNvPr id="10" name="笑脸 9">
+              <a:extLst>
+                <a:ext uri="{FF2B5EF4-FFF2-40B4-BE49-F238E27FC236}">
+                  <a16:creationId xmlns:a16="http://schemas.microsoft.com/office/drawing/2014/main" id="{E0486B8E-86A1-4261-A479-DD6F26DD2104}"/>
+                </a:ext>
+              </a:extLst>
+            </p:cNvPr>
+            <p:cNvSpPr/>
+            <p:nvPr/>
+          </p:nvSpPr>
+          <p:spPr>
+            <a:xfrm>
+              <a:off x="2068945" y="1108364"/>
+              <a:ext cx="600364" cy="600364"/>
+            </a:xfrm>
+            <a:prstGeom prst="smileyFace">
+              <a:avLst/>
+            </a:prstGeom>
+          </p:spPr>
+          <p:style>
+            <a:lnRef idx="2">
+              <a:schemeClr val="dk1"/>
+            </a:lnRef>
+            <a:fillRef idx="1">
+              <a:schemeClr val="lt1"/>
+            </a:fillRef>
+            <a:effectRef idx="0">
+              <a:schemeClr val="dk1"/>
+            </a:effectRef>
+            <a:fontRef idx="minor">
+              <a:schemeClr val="dk1"/>
+            </a:fontRef>
+          </p:style>
+          <p:txBody>
+            <a:bodyPr rtlCol="0" anchor="ctr"/>
+            <a:lstStyle/>
+            <a:p>
+              <a:pPr algn="ctr"/>
+              <a:endParaRPr lang="zh-CN" altLang="en-US"/>
+            </a:p>
+          </p:txBody>
+        </p:sp>
+        <p:sp>
+          <p:nvSpPr>
+            <p:cNvPr id="11" name="文本框 10">
+              <a:extLst>
+                <a:ext uri="{FF2B5EF4-FFF2-40B4-BE49-F238E27FC236}">
+                  <a16:creationId xmlns:a16="http://schemas.microsoft.com/office/drawing/2014/main" id="{C6600037-CEA8-4D31-AFF5-EB99760B4272}"/>
+                </a:ext>
+              </a:extLst>
+            </p:cNvPr>
+            <p:cNvSpPr txBox="1"/>
+            <p:nvPr/>
+          </p:nvSpPr>
+          <p:spPr>
+            <a:xfrm>
+              <a:off x="1638800" y="1802998"/>
+              <a:ext cx="1460657" cy="584775"/>
+            </a:xfrm>
+            <a:prstGeom prst="rect">
+              <a:avLst/>
+            </a:prstGeom>
+            <a:noFill/>
+          </p:spPr>
+          <p:txBody>
+            <a:bodyPr wrap="none" rtlCol="0">
+              <a:spAutoFit/>
+            </a:bodyPr>
+            <a:lstStyle/>
+            <a:p>
+              <a:pPr algn="ctr"/>
+              <a:r>
+                <a:rPr lang="en-US" altLang="zh-CN" sz="1600" dirty="0"/>
+                <a:t>Food Gatherer</a:t>
+              </a:r>
+            </a:p>
+            <a:p>
+              <a:pPr algn="ctr"/>
+              <a:r>
+                <a:rPr lang="en-US" altLang="zh-CN" sz="1600" dirty="0"/>
+                <a:t>Agent</a:t>
+              </a:r>
+              <a:endParaRPr lang="zh-CN" altLang="en-US" sz="1600" dirty="0"/>
+            </a:p>
+          </p:txBody>
+        </p:sp>
+      </p:grpSp>
+      <p:sp>
+        <p:nvSpPr>
+          <p:cNvPr id="12" name="矩形 11">
+            <a:extLst>
+              <a:ext uri="{FF2B5EF4-FFF2-40B4-BE49-F238E27FC236}">
+                <a16:creationId xmlns:a16="http://schemas.microsoft.com/office/drawing/2014/main" id="{405A0AA6-E415-48A5-AFD6-0A4F367BE1DA}"/>
+              </a:ext>
+            </a:extLst>
+          </p:cNvPr>
+          <p:cNvSpPr/>
+          <p:nvPr/>
+        </p:nvSpPr>
+        <p:spPr>
+          <a:xfrm>
+            <a:off x="338333" y="870741"/>
+            <a:ext cx="1628470" cy="461665"/>
+          </a:xfrm>
+          <a:prstGeom prst="rect">
+            <a:avLst/>
+          </a:prstGeom>
+        </p:spPr>
+        <p:txBody>
+          <a:bodyPr wrap="square">
+            <a:spAutoFit/>
+          </a:bodyPr>
+          <a:lstStyle/>
+          <a:p>
+            <a:r>
+              <a:rPr lang="zh-CN" altLang="en-US" sz="2400" b="0" i="0" dirty="0">
+                <a:solidFill>
+                  <a:srgbClr val="FF0000"/>
+                </a:solidFill>
+                <a:effectLst/>
+                <a:latin typeface="Segoe UI Emoji" panose="020B0502040204020203" pitchFamily="34" charset="0"/>
+              </a:rPr>
+              <a:t>🍎🍎🍎</a:t>
+            </a:r>
+            <a:endParaRPr lang="zh-CN" altLang="en-US" sz="2400" dirty="0">
+              <a:solidFill>
+                <a:srgbClr val="FF0000"/>
+              </a:solidFill>
+            </a:endParaRPr>
+          </a:p>
+        </p:txBody>
+      </p:sp>
+      <p:sp>
+        <p:nvSpPr>
+          <p:cNvPr id="14" name="矩形 13">
+            <a:extLst>
+              <a:ext uri="{FF2B5EF4-FFF2-40B4-BE49-F238E27FC236}">
+                <a16:creationId xmlns:a16="http://schemas.microsoft.com/office/drawing/2014/main" id="{6CF0C4A0-2C96-4384-B11D-E67AE15E2523}"/>
+              </a:ext>
+            </a:extLst>
+          </p:cNvPr>
+          <p:cNvSpPr/>
+          <p:nvPr/>
+        </p:nvSpPr>
+        <p:spPr>
+          <a:xfrm>
+            <a:off x="338333" y="1433963"/>
+            <a:ext cx="2300630" cy="461665"/>
+          </a:xfrm>
+          <a:prstGeom prst="rect">
+            <a:avLst/>
+          </a:prstGeom>
+        </p:spPr>
+        <p:txBody>
+          <a:bodyPr wrap="none">
+            <a:spAutoFit/>
+          </a:bodyPr>
+          <a:lstStyle/>
+          <a:p>
+            <a:r>
+              <a:rPr lang="zh-CN" altLang="en-US" sz="2400" b="0" i="0" dirty="0">
+                <a:solidFill>
+                  <a:srgbClr val="FFC000"/>
+                </a:solidFill>
+                <a:effectLst/>
+                <a:latin typeface="Segoe UI Emoji" panose="020B0502040204020203" pitchFamily="34" charset="0"/>
+              </a:rPr>
+              <a:t>🍌🍌🍌🍌🍌</a:t>
+            </a:r>
+            <a:endParaRPr lang="zh-CN" altLang="en-US" sz="2400" dirty="0">
+              <a:solidFill>
+                <a:srgbClr val="FFC000"/>
+              </a:solidFill>
+            </a:endParaRPr>
+          </a:p>
+        </p:txBody>
+      </p:sp>
+      <p:sp>
+        <p:nvSpPr>
+          <p:cNvPr id="15" name="矩形 14">
+            <a:extLst>
+              <a:ext uri="{FF2B5EF4-FFF2-40B4-BE49-F238E27FC236}">
+                <a16:creationId xmlns:a16="http://schemas.microsoft.com/office/drawing/2014/main" id="{9C193475-764C-445E-8202-4DAFCE2EE080}"/>
+              </a:ext>
+            </a:extLst>
+          </p:cNvPr>
+          <p:cNvSpPr/>
+          <p:nvPr/>
+        </p:nvSpPr>
+        <p:spPr>
+          <a:xfrm>
+            <a:off x="338333" y="1923294"/>
+            <a:ext cx="1877437" cy="461665"/>
+          </a:xfrm>
+          <a:prstGeom prst="rect">
+            <a:avLst/>
+          </a:prstGeom>
+        </p:spPr>
+        <p:txBody>
+          <a:bodyPr wrap="none">
+            <a:spAutoFit/>
+          </a:bodyPr>
+          <a:lstStyle/>
+          <a:p>
+            <a:r>
+              <a:rPr lang="zh-CN" altLang="en-US" sz="2400" b="0" i="0" dirty="0">
+                <a:solidFill>
+                  <a:schemeClr val="accent6"/>
+                </a:solidFill>
+                <a:effectLst/>
+                <a:latin typeface="Segoe UI Emoji" panose="020B0502040204020203" pitchFamily="34" charset="0"/>
+              </a:rPr>
+              <a:t>🥝🥝🥝🥝</a:t>
+            </a:r>
+            <a:endParaRPr lang="zh-CN" altLang="en-US" sz="2400" dirty="0">
+              <a:solidFill>
+                <a:schemeClr val="accent6"/>
+              </a:solidFill>
+            </a:endParaRPr>
+          </a:p>
+        </p:txBody>
+      </p:sp>
+      <p:cxnSp>
+        <p:nvCxnSpPr>
+          <p:cNvPr id="17" name="直接箭头连接符 16">
+            <a:extLst>
+              <a:ext uri="{FF2B5EF4-FFF2-40B4-BE49-F238E27FC236}">
+                <a16:creationId xmlns:a16="http://schemas.microsoft.com/office/drawing/2014/main" id="{85974848-9384-4D7B-8E51-F3CAD3BF8F4A}"/>
+              </a:ext>
+            </a:extLst>
+          </p:cNvPr>
+          <p:cNvCxnSpPr>
+            <a:stCxn id="12" idx="3"/>
+            <a:endCxn id="5" idx="1"/>
+          </p:cNvCxnSpPr>
+          <p:nvPr/>
+        </p:nvCxnSpPr>
+        <p:spPr>
+          <a:xfrm>
+            <a:off x="1966803" y="1101574"/>
+            <a:ext cx="1298157" cy="58572"/>
+          </a:xfrm>
+          <a:prstGeom prst="straightConnector1">
+            <a:avLst/>
+          </a:prstGeom>
+          <a:ln w="15875">
+            <a:solidFill>
+              <a:schemeClr val="tx1"/>
+            </a:solidFill>
+            <a:prstDash val="sysDash"/>
+            <a:tailEnd type="none"/>
+          </a:ln>
+        </p:spPr>
+        <p:style>
+          <a:lnRef idx="1">
+            <a:schemeClr val="accent1"/>
+          </a:lnRef>
+          <a:fillRef idx="0">
+            <a:schemeClr val="accent1"/>
+          </a:fillRef>
+          <a:effectRef idx="0">
+            <a:schemeClr val="accent1"/>
+          </a:effectRef>
+          <a:fontRef idx="minor">
+            <a:schemeClr val="tx1"/>
+          </a:fontRef>
+        </p:style>
+      </p:cxnSp>
+      <p:cxnSp>
+        <p:nvCxnSpPr>
+          <p:cNvPr id="18" name="直接箭头连接符 17">
+            <a:extLst>
+              <a:ext uri="{FF2B5EF4-FFF2-40B4-BE49-F238E27FC236}">
+                <a16:creationId xmlns:a16="http://schemas.microsoft.com/office/drawing/2014/main" id="{9C5D5846-84F3-4CBC-B077-718F772AD5DA}"/>
+              </a:ext>
+            </a:extLst>
+          </p:cNvPr>
+          <p:cNvCxnSpPr>
+            <a:cxnSpLocks/>
+            <a:stCxn id="15" idx="3"/>
+            <a:endCxn id="5" idx="3"/>
+          </p:cNvCxnSpPr>
+          <p:nvPr/>
+        </p:nvCxnSpPr>
+        <p:spPr>
+          <a:xfrm flipV="1">
+            <a:off x="2215770" y="1584668"/>
+            <a:ext cx="1049190" cy="569459"/>
+          </a:xfrm>
+          <a:prstGeom prst="straightConnector1">
+            <a:avLst/>
+          </a:prstGeom>
+          <a:ln w="15875">
+            <a:solidFill>
+              <a:schemeClr val="tx1"/>
+            </a:solidFill>
+            <a:prstDash val="sysDash"/>
+            <a:tailEnd type="none"/>
+          </a:ln>
+        </p:spPr>
+        <p:style>
+          <a:lnRef idx="1">
+            <a:schemeClr val="accent1"/>
+          </a:lnRef>
+          <a:fillRef idx="0">
+            <a:schemeClr val="accent1"/>
+          </a:fillRef>
+          <a:effectRef idx="0">
+            <a:schemeClr val="accent1"/>
+          </a:effectRef>
+          <a:fontRef idx="minor">
+            <a:schemeClr val="tx1"/>
+          </a:fontRef>
+        </p:style>
+      </p:cxnSp>
+      <p:sp>
+        <p:nvSpPr>
+          <p:cNvPr id="21" name="标注: 线形(带边框和强调线) 20">
+            <a:extLst>
+              <a:ext uri="{FF2B5EF4-FFF2-40B4-BE49-F238E27FC236}">
+                <a16:creationId xmlns:a16="http://schemas.microsoft.com/office/drawing/2014/main" id="{4F6E445F-F37B-4FED-B796-9996979F7F02}"/>
+              </a:ext>
+            </a:extLst>
+          </p:cNvPr>
+          <p:cNvSpPr/>
+          <p:nvPr/>
+        </p:nvSpPr>
+        <p:spPr>
+          <a:xfrm>
+            <a:off x="4063131" y="1005405"/>
+            <a:ext cx="1132076" cy="261768"/>
+          </a:xfrm>
+          <a:prstGeom prst="accentBorderCallout1">
+            <a:avLst>
+              <a:gd name="adj1" fmla="val 58364"/>
+              <a:gd name="adj2" fmla="val -4170"/>
+              <a:gd name="adj3" fmla="val 139678"/>
+              <a:gd name="adj4" fmla="val -18287"/>
+            </a:avLst>
+          </a:prstGeom>
+        </p:spPr>
+        <p:style>
+          <a:lnRef idx="2">
+            <a:schemeClr val="dk1"/>
+          </a:lnRef>
+          <a:fillRef idx="1">
+            <a:schemeClr val="lt1"/>
+          </a:fillRef>
+          <a:effectRef idx="0">
+            <a:schemeClr val="dk1"/>
+          </a:effectRef>
+          <a:fontRef idx="minor">
+            <a:schemeClr val="dk1"/>
+          </a:fontRef>
+        </p:style>
+        <p:txBody>
+          <a:bodyPr rtlCol="0" anchor="ctr"/>
+          <a:lstStyle/>
+          <a:p>
+            <a:pPr algn="ctr"/>
+            <a:r>
+              <a:rPr lang="en-US" altLang="zh-CN" dirty="0"/>
+              <a:t>Message</a:t>
+            </a:r>
+            <a:endParaRPr lang="zh-CN" altLang="en-US" dirty="0"/>
+          </a:p>
+        </p:txBody>
+      </p:sp>
+      <p:cxnSp>
+        <p:nvCxnSpPr>
+          <p:cNvPr id="23" name="直接箭头连接符 22">
+            <a:extLst>
+              <a:ext uri="{FF2B5EF4-FFF2-40B4-BE49-F238E27FC236}">
+                <a16:creationId xmlns:a16="http://schemas.microsoft.com/office/drawing/2014/main" id="{C5FB96D4-D20F-4ED9-94B9-6E5C2A192758}"/>
+              </a:ext>
+            </a:extLst>
+          </p:cNvPr>
+          <p:cNvCxnSpPr>
+            <a:stCxn id="5" idx="6"/>
+            <a:endCxn id="10" idx="2"/>
+          </p:cNvCxnSpPr>
+          <p:nvPr/>
+        </p:nvCxnSpPr>
+        <p:spPr>
+          <a:xfrm flipV="1">
+            <a:off x="3777403" y="1369977"/>
+            <a:ext cx="1640381" cy="2430"/>
+          </a:xfrm>
+          <a:prstGeom prst="straightConnector1">
+            <a:avLst/>
+          </a:prstGeom>
+          <a:ln w="12700">
+            <a:solidFill>
+              <a:schemeClr val="tx1"/>
+            </a:solidFill>
+            <a:tailEnd type="triangle"/>
+          </a:ln>
+        </p:spPr>
+        <p:style>
+          <a:lnRef idx="1">
+            <a:schemeClr val="accent1"/>
+          </a:lnRef>
+          <a:fillRef idx="0">
+            <a:schemeClr val="accent1"/>
+          </a:fillRef>
+          <a:effectRef idx="0">
+            <a:schemeClr val="accent1"/>
+          </a:effectRef>
+          <a:fontRef idx="minor">
+            <a:schemeClr val="tx1"/>
+          </a:fontRef>
+        </p:style>
+      </p:cxnSp>
+      <p:graphicFrame>
+        <p:nvGraphicFramePr>
+          <p:cNvPr id="24" name="表格 23">
+            <a:extLst>
+              <a:ext uri="{FF2B5EF4-FFF2-40B4-BE49-F238E27FC236}">
+                <a16:creationId xmlns:a16="http://schemas.microsoft.com/office/drawing/2014/main" id="{42D5A01D-2307-44AE-AF77-9C614F071C7B}"/>
+              </a:ext>
+            </a:extLst>
+          </p:cNvPr>
+          <p:cNvGraphicFramePr>
+            <a:graphicFrameLocks noGrp="1"/>
+          </p:cNvGraphicFramePr>
+          <p:nvPr>
+            <p:extLst/>
+          </p:nvPr>
+        </p:nvGraphicFramePr>
+        <p:xfrm>
+          <a:off x="7447175" y="506861"/>
+          <a:ext cx="505334" cy="2042372"/>
+        </p:xfrm>
+        <a:graphic>
+          <a:graphicData uri="http://schemas.openxmlformats.org/drawingml/2006/table">
+            <a:tbl>
+              <a:tblPr firstRow="1" bandRow="1">
+                <a:tableStyleId>{5940675A-B579-460E-94D1-54222C63F5DA}</a:tableStyleId>
+              </a:tblPr>
+              <a:tblGrid>
+                <a:gridCol w="505334">
+                  <a:extLst>
+                    <a:ext uri="{9D8B030D-6E8A-4147-A177-3AD203B41FA5}">
+                      <a16:colId xmlns:a16="http://schemas.microsoft.com/office/drawing/2014/main" val="2714647454"/>
+                    </a:ext>
+                  </a:extLst>
+                </a:gridCol>
+              </a:tblGrid>
+              <a:tr h="510593">
+                <a:tc>
+                  <a:txBody>
+                    <a:bodyPr/>
+                    <a:lstStyle/>
+                    <a:p>
+                      <a:pPr algn="ctr"/>
+                      <a:r>
+                        <a:rPr lang="zh-CN" altLang="en-US" sz="1800" b="0" i="0" dirty="0">
+                          <a:solidFill>
+                            <a:srgbClr val="FF0000"/>
+                          </a:solidFill>
+                          <a:effectLst/>
+                          <a:latin typeface="Segoe UI Emoji" panose="020B0502040204020203" pitchFamily="34" charset="0"/>
+                        </a:rPr>
+                        <a:t>🍎</a:t>
+                      </a:r>
+                      <a:endParaRPr lang="zh-CN" altLang="en-US" dirty="0"/>
+                    </a:p>
+                  </a:txBody>
+                  <a:tcPr anchor="ctr"/>
+                </a:tc>
+                <a:extLst>
+                  <a:ext uri="{0D108BD9-81ED-4DB2-BD59-A6C34878D82A}">
+                    <a16:rowId xmlns:a16="http://schemas.microsoft.com/office/drawing/2014/main" val="4046201338"/>
+                  </a:ext>
+                </a:extLst>
+              </a:tr>
+              <a:tr h="510593">
+                <a:tc>
+                  <a:txBody>
+                    <a:bodyPr/>
+                    <a:lstStyle/>
+                    <a:p>
+                      <a:pPr marL="0" marR="0" lvl="0" indent="0" algn="ctr" defTabSz="914400" rtl="0" eaLnBrk="1" fontAlgn="auto" latinLnBrk="0" hangingPunct="1">
+                        <a:lnSpc>
+                          <a:spcPct val="100000"/>
+                        </a:lnSpc>
+                        <a:spcBef>
+                          <a:spcPts val="0"/>
+                        </a:spcBef>
+                        <a:spcAft>
+                          <a:spcPts val="0"/>
+                        </a:spcAft>
+                        <a:buClrTx/>
+                        <a:buSzTx/>
+                        <a:buFontTx/>
+                        <a:buNone/>
+                        <a:tabLst/>
+                        <a:defRPr/>
+                      </a:pPr>
+                      <a:r>
+                        <a:rPr lang="zh-CN" altLang="en-US" sz="1800" b="0" i="0" dirty="0">
+                          <a:solidFill>
+                            <a:srgbClr val="FFC000"/>
+                          </a:solidFill>
+                          <a:effectLst/>
+                          <a:latin typeface="Segoe UI Emoji" panose="020B0502040204020203" pitchFamily="34" charset="0"/>
+                        </a:rPr>
+                        <a:t>🍌</a:t>
+                      </a:r>
+                      <a:endParaRPr lang="zh-CN" altLang="en-US" dirty="0"/>
+                    </a:p>
+                  </a:txBody>
+                  <a:tcPr anchor="ctr"/>
+                </a:tc>
+                <a:extLst>
+                  <a:ext uri="{0D108BD9-81ED-4DB2-BD59-A6C34878D82A}">
+                    <a16:rowId xmlns:a16="http://schemas.microsoft.com/office/drawing/2014/main" val="1690375867"/>
+                  </a:ext>
+                </a:extLst>
+              </a:tr>
+              <a:tr h="510593">
+                <a:tc>
+                  <a:txBody>
+                    <a:bodyPr/>
+                    <a:lstStyle/>
+                    <a:p>
+                      <a:pPr marL="0" marR="0" lvl="0" indent="0" algn="ctr" defTabSz="914400" rtl="0" eaLnBrk="1" fontAlgn="auto" latinLnBrk="0" hangingPunct="1">
+                        <a:lnSpc>
+                          <a:spcPct val="100000"/>
+                        </a:lnSpc>
+                        <a:spcBef>
+                          <a:spcPts val="0"/>
+                        </a:spcBef>
+                        <a:spcAft>
+                          <a:spcPts val="0"/>
+                        </a:spcAft>
+                        <a:buClrTx/>
+                        <a:buSzTx/>
+                        <a:buFontTx/>
+                        <a:buNone/>
+                        <a:tabLst/>
+                        <a:defRPr/>
+                      </a:pPr>
+                      <a:r>
+                        <a:rPr lang="zh-CN" altLang="en-US" sz="1800" b="0" i="0" dirty="0">
+                          <a:solidFill>
+                            <a:schemeClr val="accent6"/>
+                          </a:solidFill>
+                          <a:effectLst/>
+                          <a:latin typeface="Segoe UI Emoji" panose="020B0502040204020203" pitchFamily="34" charset="0"/>
+                        </a:rPr>
+                        <a:t>🥝</a:t>
+                      </a:r>
+                      <a:endParaRPr lang="zh-CN" altLang="en-US" dirty="0"/>
+                    </a:p>
+                  </a:txBody>
+                  <a:tcPr anchor="ctr"/>
+                </a:tc>
+                <a:extLst>
+                  <a:ext uri="{0D108BD9-81ED-4DB2-BD59-A6C34878D82A}">
+                    <a16:rowId xmlns:a16="http://schemas.microsoft.com/office/drawing/2014/main" val="2183383550"/>
+                  </a:ext>
+                </a:extLst>
+              </a:tr>
+              <a:tr h="510593">
+                <a:tc>
+                  <a:txBody>
+                    <a:bodyPr/>
+                    <a:lstStyle/>
+                    <a:p>
+                      <a:pPr algn="ctr"/>
+                      <a:r>
+                        <a:rPr lang="en-US" altLang="zh-CN" dirty="0"/>
+                        <a:t>E</a:t>
+                      </a:r>
+                      <a:endParaRPr lang="zh-CN" altLang="en-US" dirty="0"/>
+                    </a:p>
+                  </a:txBody>
+                  <a:tcPr anchor="ctr"/>
+                </a:tc>
+                <a:extLst>
+                  <a:ext uri="{0D108BD9-81ED-4DB2-BD59-A6C34878D82A}">
+                    <a16:rowId xmlns:a16="http://schemas.microsoft.com/office/drawing/2014/main" val="3589676022"/>
+                  </a:ext>
+                </a:extLst>
+              </a:tr>
+            </a:tbl>
+          </a:graphicData>
+        </a:graphic>
+      </p:graphicFrame>
+      <p:cxnSp>
+        <p:nvCxnSpPr>
+          <p:cNvPr id="27" name="直接箭头连接符 26">
+            <a:extLst>
+              <a:ext uri="{FF2B5EF4-FFF2-40B4-BE49-F238E27FC236}">
+                <a16:creationId xmlns:a16="http://schemas.microsoft.com/office/drawing/2014/main" id="{0AC3B317-62FD-488A-958E-75C1B9043826}"/>
+              </a:ext>
+            </a:extLst>
+          </p:cNvPr>
+          <p:cNvCxnSpPr>
+            <a:cxnSpLocks/>
+            <a:stCxn id="10" idx="6"/>
+          </p:cNvCxnSpPr>
+          <p:nvPr/>
+        </p:nvCxnSpPr>
+        <p:spPr>
+          <a:xfrm flipV="1">
+            <a:off x="6018148" y="667545"/>
+            <a:ext cx="1429027" cy="702432"/>
+          </a:xfrm>
+          <a:prstGeom prst="straightConnector1">
+            <a:avLst/>
+          </a:prstGeom>
+          <a:ln w="12700">
+            <a:solidFill>
+              <a:schemeClr val="tx1"/>
+            </a:solidFill>
+            <a:tailEnd type="triangle"/>
+          </a:ln>
+        </p:spPr>
+        <p:style>
+          <a:lnRef idx="1">
+            <a:schemeClr val="accent1"/>
+          </a:lnRef>
+          <a:fillRef idx="0">
+            <a:schemeClr val="accent1"/>
+          </a:fillRef>
+          <a:effectRef idx="0">
+            <a:schemeClr val="accent1"/>
+          </a:effectRef>
+          <a:fontRef idx="minor">
+            <a:schemeClr val="tx1"/>
+          </a:fontRef>
+        </p:style>
+      </p:cxnSp>
+      <p:sp>
+        <p:nvSpPr>
+          <p:cNvPr id="36" name="矩形 35">
+            <a:extLst>
+              <a:ext uri="{FF2B5EF4-FFF2-40B4-BE49-F238E27FC236}">
+                <a16:creationId xmlns:a16="http://schemas.microsoft.com/office/drawing/2014/main" id="{84135238-7BB9-4EBE-A7CC-CAC74CE31656}"/>
+              </a:ext>
+            </a:extLst>
+          </p:cNvPr>
+          <p:cNvSpPr/>
+          <p:nvPr/>
+        </p:nvSpPr>
+        <p:spPr>
+          <a:xfrm>
+            <a:off x="197963" y="506863"/>
+            <a:ext cx="2466633" cy="2042373"/>
+          </a:xfrm>
+          <a:prstGeom prst="rect">
+            <a:avLst/>
+          </a:prstGeom>
+          <a:noFill/>
+          <a:ln w="19050">
+            <a:solidFill>
+              <a:schemeClr val="tx1"/>
+            </a:solidFill>
+          </a:ln>
+        </p:spPr>
+        <p:style>
+          <a:lnRef idx="2">
+            <a:schemeClr val="accent1">
+              <a:shade val="50000"/>
+            </a:schemeClr>
+          </a:lnRef>
+          <a:fillRef idx="1">
+            <a:schemeClr val="accent1"/>
+          </a:fillRef>
+          <a:effectRef idx="0">
+            <a:schemeClr val="accent1"/>
+          </a:effectRef>
+          <a:fontRef idx="minor">
+            <a:schemeClr val="lt1"/>
+          </a:fontRef>
+        </p:style>
+        <p:txBody>
+          <a:bodyPr rtlCol="0" anchor="t" anchorCtr="0"/>
+          <a:lstStyle/>
+          <a:p>
+            <a:pPr algn="ctr"/>
+            <a:r>
+              <a:rPr lang="en-US" altLang="zh-CN" dirty="0">
+                <a:solidFill>
+                  <a:schemeClr val="tx1"/>
+                </a:solidFill>
+              </a:rPr>
+              <a:t>Food Warehouse</a:t>
+            </a:r>
+            <a:endParaRPr lang="zh-CN" altLang="en-US" dirty="0">
+              <a:solidFill>
+                <a:schemeClr val="tx1"/>
+              </a:solidFill>
+            </a:endParaRPr>
+          </a:p>
+        </p:txBody>
+      </p:sp>
+      <p:cxnSp>
+        <p:nvCxnSpPr>
+          <p:cNvPr id="26" name="直接箭头连接符 25">
+            <a:extLst>
+              <a:ext uri="{FF2B5EF4-FFF2-40B4-BE49-F238E27FC236}">
+                <a16:creationId xmlns:a16="http://schemas.microsoft.com/office/drawing/2014/main" id="{AFDC7935-F568-4940-9346-B7EC884535BB}"/>
+              </a:ext>
+            </a:extLst>
+          </p:cNvPr>
+          <p:cNvCxnSpPr>
+            <a:cxnSpLocks/>
+            <a:stCxn id="10" idx="6"/>
+          </p:cNvCxnSpPr>
+          <p:nvPr/>
+        </p:nvCxnSpPr>
+        <p:spPr>
+          <a:xfrm flipV="1">
+            <a:off x="6018148" y="1267173"/>
+            <a:ext cx="1429027" cy="102804"/>
+          </a:xfrm>
+          <a:prstGeom prst="straightConnector1">
+            <a:avLst/>
+          </a:prstGeom>
+          <a:ln w="12700">
+            <a:solidFill>
+              <a:schemeClr val="tx1"/>
+            </a:solidFill>
+            <a:tailEnd type="triangle"/>
+          </a:ln>
+        </p:spPr>
+        <p:style>
+          <a:lnRef idx="1">
+            <a:schemeClr val="accent1"/>
+          </a:lnRef>
+          <a:fillRef idx="0">
+            <a:schemeClr val="accent1"/>
+          </a:fillRef>
+          <a:effectRef idx="0">
+            <a:schemeClr val="accent1"/>
+          </a:effectRef>
+          <a:fontRef idx="minor">
+            <a:schemeClr val="tx1"/>
+          </a:fontRef>
+        </p:style>
+      </p:cxnSp>
+      <p:cxnSp>
+        <p:nvCxnSpPr>
+          <p:cNvPr id="30" name="直接箭头连接符 29">
+            <a:extLst>
+              <a:ext uri="{FF2B5EF4-FFF2-40B4-BE49-F238E27FC236}">
+                <a16:creationId xmlns:a16="http://schemas.microsoft.com/office/drawing/2014/main" id="{D7F0E67D-4DF0-44C6-882C-3BA4A18F6BCD}"/>
+              </a:ext>
+            </a:extLst>
+          </p:cNvPr>
+          <p:cNvCxnSpPr>
+            <a:cxnSpLocks/>
+            <a:stCxn id="10" idx="6"/>
+          </p:cNvCxnSpPr>
+          <p:nvPr/>
+        </p:nvCxnSpPr>
+        <p:spPr>
+          <a:xfrm>
+            <a:off x="6018148" y="1369977"/>
+            <a:ext cx="1429027" cy="425163"/>
+          </a:xfrm>
+          <a:prstGeom prst="straightConnector1">
+            <a:avLst/>
+          </a:prstGeom>
+          <a:ln w="12700">
+            <a:solidFill>
+              <a:schemeClr val="tx1"/>
+            </a:solidFill>
+            <a:tailEnd type="triangle"/>
+          </a:ln>
+        </p:spPr>
+        <p:style>
+          <a:lnRef idx="1">
+            <a:schemeClr val="accent1"/>
+          </a:lnRef>
+          <a:fillRef idx="0">
+            <a:schemeClr val="accent1"/>
+          </a:fillRef>
+          <a:effectRef idx="0">
+            <a:schemeClr val="accent1"/>
+          </a:effectRef>
+          <a:fontRef idx="minor">
+            <a:schemeClr val="tx1"/>
+          </a:fontRef>
+        </p:style>
+      </p:cxnSp>
+      <p:cxnSp>
+        <p:nvCxnSpPr>
+          <p:cNvPr id="33" name="直接箭头连接符 32">
+            <a:extLst>
+              <a:ext uri="{FF2B5EF4-FFF2-40B4-BE49-F238E27FC236}">
+                <a16:creationId xmlns:a16="http://schemas.microsoft.com/office/drawing/2014/main" id="{560ECEFA-7BAC-47AB-B045-8E5C2839BAB6}"/>
+              </a:ext>
+            </a:extLst>
+          </p:cNvPr>
+          <p:cNvCxnSpPr>
+            <a:cxnSpLocks/>
+            <a:stCxn id="10" idx="6"/>
+          </p:cNvCxnSpPr>
+          <p:nvPr/>
+        </p:nvCxnSpPr>
+        <p:spPr>
+          <a:xfrm>
+            <a:off x="6018148" y="1369977"/>
+            <a:ext cx="1403394" cy="1009938"/>
+          </a:xfrm>
+          <a:prstGeom prst="straightConnector1">
+            <a:avLst/>
+          </a:prstGeom>
+          <a:ln w="12700">
+            <a:solidFill>
+              <a:schemeClr val="tx1"/>
+            </a:solidFill>
+            <a:tailEnd type="triangle"/>
+          </a:ln>
+        </p:spPr>
+        <p:style>
+          <a:lnRef idx="1">
+            <a:schemeClr val="accent1"/>
+          </a:lnRef>
+          <a:fillRef idx="0">
+            <a:schemeClr val="accent1"/>
+          </a:fillRef>
+          <a:effectRef idx="0">
+            <a:schemeClr val="accent1"/>
+          </a:effectRef>
+          <a:fontRef idx="minor">
+            <a:schemeClr val="tx1"/>
+          </a:fontRef>
+        </p:style>
+      </p:cxnSp>
+      <p:sp>
+        <p:nvSpPr>
+          <p:cNvPr id="28" name="文本框 27">
+            <a:extLst>
+              <a:ext uri="{FF2B5EF4-FFF2-40B4-BE49-F238E27FC236}">
+                <a16:creationId xmlns:a16="http://schemas.microsoft.com/office/drawing/2014/main" id="{C3FCC5BC-6453-4EC7-99CC-7ABC1C40D7EF}"/>
+              </a:ext>
+            </a:extLst>
+          </p:cNvPr>
+          <p:cNvSpPr txBox="1"/>
+          <p:nvPr/>
+        </p:nvSpPr>
+        <p:spPr>
+          <a:xfrm>
+            <a:off x="6340574" y="597659"/>
+            <a:ext cx="758541" cy="369332"/>
+          </a:xfrm>
+          <a:prstGeom prst="rect">
+            <a:avLst/>
+          </a:prstGeom>
+          <a:noFill/>
+        </p:spPr>
+        <p:txBody>
+          <a:bodyPr wrap="none" rtlCol="0">
+            <a:spAutoFit/>
+          </a:bodyPr>
+          <a:lstStyle/>
+          <a:p>
+            <a:r>
+              <a:rPr lang="en-US" altLang="zh-CN" dirty="0"/>
+              <a:t>(1) 2X</a:t>
+            </a:r>
+            <a:endParaRPr lang="zh-CN" altLang="en-US" dirty="0"/>
+          </a:p>
+        </p:txBody>
+      </p:sp>
+      <p:sp>
+        <p:nvSpPr>
+          <p:cNvPr id="38" name="文本框 37">
+            <a:extLst>
+              <a:ext uri="{FF2B5EF4-FFF2-40B4-BE49-F238E27FC236}">
+                <a16:creationId xmlns:a16="http://schemas.microsoft.com/office/drawing/2014/main" id="{4F4E0F87-9008-407C-82C4-9FAC28235664}"/>
+              </a:ext>
+            </a:extLst>
+          </p:cNvPr>
+          <p:cNvSpPr txBox="1"/>
+          <p:nvPr/>
+        </p:nvSpPr>
+        <p:spPr>
+          <a:xfrm>
+            <a:off x="6569999" y="979605"/>
+            <a:ext cx="758541" cy="369332"/>
+          </a:xfrm>
+          <a:prstGeom prst="rect">
+            <a:avLst/>
+          </a:prstGeom>
+          <a:noFill/>
+        </p:spPr>
+        <p:txBody>
+          <a:bodyPr wrap="none" rtlCol="0">
+            <a:spAutoFit/>
+          </a:bodyPr>
+          <a:lstStyle/>
+          <a:p>
+            <a:r>
+              <a:rPr lang="en-US" altLang="zh-CN" dirty="0"/>
+              <a:t>(2) 0X</a:t>
+            </a:r>
+            <a:endParaRPr lang="zh-CN" altLang="en-US" dirty="0"/>
+          </a:p>
+        </p:txBody>
+      </p:sp>
+      <p:sp>
+        <p:nvSpPr>
+          <p:cNvPr id="39" name="文本框 38">
+            <a:extLst>
+              <a:ext uri="{FF2B5EF4-FFF2-40B4-BE49-F238E27FC236}">
+                <a16:creationId xmlns:a16="http://schemas.microsoft.com/office/drawing/2014/main" id="{56653A43-7AA3-443E-AC1E-5A9A0D17652D}"/>
+              </a:ext>
+            </a:extLst>
+          </p:cNvPr>
+          <p:cNvSpPr txBox="1"/>
+          <p:nvPr/>
+        </p:nvSpPr>
+        <p:spPr>
+          <a:xfrm>
+            <a:off x="6713901" y="1314362"/>
+            <a:ext cx="758541" cy="369332"/>
+          </a:xfrm>
+          <a:prstGeom prst="rect">
+            <a:avLst/>
+          </a:prstGeom>
+          <a:noFill/>
+        </p:spPr>
+        <p:txBody>
+          <a:bodyPr wrap="none" rtlCol="0">
+            <a:spAutoFit/>
+          </a:bodyPr>
+          <a:lstStyle/>
+          <a:p>
+            <a:r>
+              <a:rPr lang="en-US" altLang="zh-CN" dirty="0"/>
+              <a:t>(3) 1X</a:t>
+            </a:r>
+            <a:endParaRPr lang="zh-CN" altLang="en-US" dirty="0"/>
+          </a:p>
+        </p:txBody>
+      </p:sp>
+      <p:sp>
+        <p:nvSpPr>
+          <p:cNvPr id="41" name="文本框 40">
+            <a:extLst>
+              <a:ext uri="{FF2B5EF4-FFF2-40B4-BE49-F238E27FC236}">
+                <a16:creationId xmlns:a16="http://schemas.microsoft.com/office/drawing/2014/main" id="{9B30C37C-717D-4D95-AC7E-271CB3C4690B}"/>
+              </a:ext>
+            </a:extLst>
+          </p:cNvPr>
+          <p:cNvSpPr txBox="1"/>
+          <p:nvPr/>
+        </p:nvSpPr>
+        <p:spPr>
+          <a:xfrm>
+            <a:off x="6514604" y="2121863"/>
+            <a:ext cx="758541" cy="369332"/>
+          </a:xfrm>
+          <a:prstGeom prst="rect">
+            <a:avLst/>
+          </a:prstGeom>
+          <a:noFill/>
+        </p:spPr>
+        <p:txBody>
+          <a:bodyPr wrap="none" rtlCol="0">
+            <a:spAutoFit/>
+          </a:bodyPr>
+          <a:lstStyle/>
+          <a:p>
+            <a:r>
+              <a:rPr lang="en-US" altLang="zh-CN" dirty="0"/>
+              <a:t>(4) 1X</a:t>
+            </a:r>
+            <a:endParaRPr lang="zh-CN" altLang="en-US" dirty="0"/>
+          </a:p>
+        </p:txBody>
+      </p:sp>
+      <p:sp>
+        <p:nvSpPr>
+          <p:cNvPr id="25" name="矩形 24">
+            <a:extLst>
+              <a:ext uri="{FF2B5EF4-FFF2-40B4-BE49-F238E27FC236}">
+                <a16:creationId xmlns:a16="http://schemas.microsoft.com/office/drawing/2014/main" id="{3431C5C2-0AD6-462A-826F-F73E74BE999C}"/>
+              </a:ext>
+            </a:extLst>
+          </p:cNvPr>
+          <p:cNvSpPr/>
+          <p:nvPr/>
+        </p:nvSpPr>
+        <p:spPr>
+          <a:xfrm>
+            <a:off x="8161435" y="506860"/>
+            <a:ext cx="1526486" cy="2042373"/>
+          </a:xfrm>
+          <a:prstGeom prst="rect">
+            <a:avLst/>
+          </a:prstGeom>
+          <a:noFill/>
+          <a:ln w="19050">
+            <a:solidFill>
+              <a:schemeClr val="tx1"/>
+            </a:solidFill>
+          </a:ln>
+        </p:spPr>
+        <p:style>
+          <a:lnRef idx="2">
+            <a:schemeClr val="accent1">
+              <a:shade val="50000"/>
+            </a:schemeClr>
+          </a:lnRef>
+          <a:fillRef idx="1">
+            <a:schemeClr val="accent1"/>
+          </a:fillRef>
+          <a:effectRef idx="0">
+            <a:schemeClr val="accent1"/>
+          </a:effectRef>
+          <a:fontRef idx="minor">
+            <a:schemeClr val="lt1"/>
+          </a:fontRef>
+        </p:style>
+        <p:txBody>
+          <a:bodyPr lIns="180000" bIns="144000" rtlCol="0" anchor="t" anchorCtr="0"/>
+          <a:lstStyle/>
+          <a:p>
+            <a:pPr algn="ctr">
+              <a:lnSpc>
+                <a:spcPct val="180000"/>
+              </a:lnSpc>
+            </a:pPr>
+            <a:r>
+              <a:rPr lang="zh-CN" altLang="en-US" dirty="0">
+                <a:solidFill>
+                  <a:srgbClr val="FF0000"/>
+                </a:solidFill>
+                <a:latin typeface="Segoe UI Emoji" panose="020B0502040204020203" pitchFamily="34" charset="0"/>
+              </a:rPr>
+              <a:t>🍎🍎</a:t>
+            </a:r>
+            <a:endParaRPr lang="zh-CN" altLang="en-US" dirty="0"/>
+          </a:p>
+          <a:p>
+            <a:pPr algn="ctr">
+              <a:lnSpc>
+                <a:spcPct val="180000"/>
+              </a:lnSpc>
+            </a:pPr>
+            <a:endParaRPr lang="en-US" altLang="zh-CN" dirty="0">
+              <a:solidFill>
+                <a:schemeClr val="tx1"/>
+              </a:solidFill>
+            </a:endParaRPr>
+          </a:p>
+          <a:p>
+            <a:pPr algn="ctr">
+              <a:lnSpc>
+                <a:spcPct val="180000"/>
+              </a:lnSpc>
+            </a:pPr>
+            <a:r>
+              <a:rPr lang="zh-CN" altLang="en-US" dirty="0">
+                <a:solidFill>
+                  <a:schemeClr val="accent6"/>
+                </a:solidFill>
+                <a:latin typeface="Segoe UI Emoji" panose="020B0502040204020203" pitchFamily="34" charset="0"/>
+              </a:rPr>
+              <a:t>🥝</a:t>
+            </a:r>
+            <a:endParaRPr lang="en-US" altLang="zh-CN" dirty="0">
+              <a:solidFill>
+                <a:schemeClr val="tx1"/>
+              </a:solidFill>
+            </a:endParaRPr>
+          </a:p>
+          <a:p>
+            <a:pPr algn="ctr">
+              <a:lnSpc>
+                <a:spcPct val="180000"/>
+              </a:lnSpc>
+            </a:pPr>
+            <a:r>
+              <a:rPr lang="en-US" altLang="zh-CN" dirty="0">
+                <a:solidFill>
+                  <a:schemeClr val="tx1"/>
+                </a:solidFill>
+              </a:rPr>
+              <a:t>Knapsack</a:t>
+            </a:r>
+            <a:endParaRPr lang="zh-CN" altLang="en-US" dirty="0">
+              <a:solidFill>
+                <a:schemeClr val="tx1"/>
+              </a:solidFill>
+            </a:endParaRPr>
+          </a:p>
+        </p:txBody>
+      </p:sp>
+    </p:spTree>
+    <p:extLst>
+      <p:ext uri="{BB962C8B-B14F-4D97-AF65-F5344CB8AC3E}">
+        <p14:creationId xmlns:p14="http://schemas.microsoft.com/office/powerpoint/2010/main" val="181733587"/>
+      </p:ext>
+    </p:extLst>
+  </p:cSld>
+  <p:clrMapOvr>
+    <a:masterClrMapping/>
+  </p:clrMapOvr>
+</p:sld>
+</file>
+
+<file path=ppt/slides/slide4.xml><?xml version="1.0" encoding="utf-8"?>
+<p:sld xmlns:a="http://schemas.openxmlformats.org/drawingml/2006/main" xmlns:r="http://schemas.openxmlformats.org/officeDocument/2006/relationships" xmlns:p="http://schemas.openxmlformats.org/presentationml/2006/main">
+  <p:cSld>
+    <p:spTree>
+      <p:nvGrpSpPr>
+        <p:cNvPr id="1" name=""/>
+        <p:cNvGrpSpPr/>
+        <p:nvPr/>
+      </p:nvGrpSpPr>
+      <p:grpSpPr>
+        <a:xfrm>
+          <a:off x="0" y="0"/>
+          <a:ext cx="0" cy="0"/>
+          <a:chOff x="0" y="0"/>
+          <a:chExt cx="0" cy="0"/>
+        </a:xfrm>
+      </p:grpSpPr>
+      <p:grpSp>
+        <p:nvGrpSpPr>
+          <p:cNvPr id="8" name="组合 7">
+            <a:extLst>
+              <a:ext uri="{FF2B5EF4-FFF2-40B4-BE49-F238E27FC236}">
+                <a16:creationId xmlns:a16="http://schemas.microsoft.com/office/drawing/2014/main" id="{6BBF5554-A06A-477F-A6CC-0F3124C6F794}"/>
+              </a:ext>
+            </a:extLst>
+          </p:cNvPr>
+          <p:cNvGrpSpPr/>
+          <p:nvPr/>
+        </p:nvGrpSpPr>
+        <p:grpSpPr>
+          <a:xfrm>
+            <a:off x="1945587" y="959104"/>
+            <a:ext cx="989373" cy="1307690"/>
+            <a:chOff x="1874441" y="1108364"/>
+            <a:chExt cx="989373" cy="1307690"/>
+          </a:xfrm>
+        </p:grpSpPr>
+        <p:sp>
+          <p:nvSpPr>
+            <p:cNvPr id="5" name="笑脸 4">
+              <a:extLst>
+                <a:ext uri="{FF2B5EF4-FFF2-40B4-BE49-F238E27FC236}">
+                  <a16:creationId xmlns:a16="http://schemas.microsoft.com/office/drawing/2014/main" id="{13EF2DEA-88B6-43F3-998F-766B7F0069E3}"/>
+                </a:ext>
+              </a:extLst>
+            </p:cNvPr>
+            <p:cNvSpPr/>
+            <p:nvPr/>
+          </p:nvSpPr>
+          <p:spPr>
+            <a:xfrm>
+              <a:off x="2068945" y="1108364"/>
+              <a:ext cx="600364" cy="600364"/>
+            </a:xfrm>
+            <a:prstGeom prst="smileyFace">
+              <a:avLst/>
+            </a:prstGeom>
+          </p:spPr>
+          <p:style>
+            <a:lnRef idx="2">
+              <a:schemeClr val="dk1"/>
+            </a:lnRef>
+            <a:fillRef idx="1">
+              <a:schemeClr val="lt1"/>
+            </a:fillRef>
+            <a:effectRef idx="0">
+              <a:schemeClr val="dk1"/>
+            </a:effectRef>
+            <a:fontRef idx="minor">
+              <a:schemeClr val="dk1"/>
+            </a:fontRef>
+          </p:style>
+          <p:txBody>
+            <a:bodyPr rtlCol="0" anchor="ctr"/>
+            <a:lstStyle/>
+            <a:p>
+              <a:pPr algn="ctr"/>
+              <a:endParaRPr lang="zh-CN" altLang="en-US"/>
+            </a:p>
+          </p:txBody>
+        </p:sp>
+        <p:sp>
+          <p:nvSpPr>
+            <p:cNvPr id="7" name="文本框 6">
+              <a:extLst>
+                <a:ext uri="{FF2B5EF4-FFF2-40B4-BE49-F238E27FC236}">
+                  <a16:creationId xmlns:a16="http://schemas.microsoft.com/office/drawing/2014/main" id="{8DF47530-2047-45B6-B86E-56AE08B4239D}"/>
+                </a:ext>
+              </a:extLst>
+            </p:cNvPr>
+            <p:cNvSpPr txBox="1"/>
+            <p:nvPr/>
+          </p:nvSpPr>
+          <p:spPr>
+            <a:xfrm>
+              <a:off x="1874441" y="1831279"/>
+              <a:ext cx="989373" cy="584775"/>
+            </a:xfrm>
+            <a:prstGeom prst="rect">
+              <a:avLst/>
+            </a:prstGeom>
+            <a:noFill/>
+          </p:spPr>
+          <p:txBody>
+            <a:bodyPr wrap="none" rtlCol="0">
+              <a:spAutoFit/>
+            </a:bodyPr>
+            <a:lstStyle/>
+            <a:p>
+              <a:pPr algn="ctr"/>
+              <a:r>
+                <a:rPr lang="en-US" altLang="zh-CN" sz="1600" dirty="0"/>
+                <a:t>Speaking</a:t>
+              </a:r>
+            </a:p>
+            <a:p>
+              <a:pPr algn="ctr"/>
+              <a:r>
+                <a:rPr lang="en-US" altLang="zh-CN" sz="1600" dirty="0"/>
+                <a:t>Agent</a:t>
+              </a:r>
+              <a:endParaRPr lang="zh-CN" altLang="en-US" sz="1600" dirty="0"/>
+            </a:p>
+          </p:txBody>
+        </p:sp>
+      </p:grpSp>
+      <p:grpSp>
+        <p:nvGrpSpPr>
+          <p:cNvPr id="9" name="组合 8">
+            <a:extLst>
+              <a:ext uri="{FF2B5EF4-FFF2-40B4-BE49-F238E27FC236}">
+                <a16:creationId xmlns:a16="http://schemas.microsoft.com/office/drawing/2014/main" id="{AB30BD60-89F5-4BCC-AB33-6D39E56A434A}"/>
+              </a:ext>
+            </a:extLst>
+          </p:cNvPr>
+          <p:cNvGrpSpPr/>
+          <p:nvPr/>
+        </p:nvGrpSpPr>
+        <p:grpSpPr>
+          <a:xfrm>
+            <a:off x="4195952" y="956674"/>
+            <a:ext cx="970137" cy="1279409"/>
+            <a:chOff x="1884061" y="1108364"/>
+            <a:chExt cx="970137" cy="1279409"/>
+          </a:xfrm>
+        </p:grpSpPr>
+        <p:sp>
+          <p:nvSpPr>
+            <p:cNvPr id="10" name="笑脸 9">
+              <a:extLst>
+                <a:ext uri="{FF2B5EF4-FFF2-40B4-BE49-F238E27FC236}">
+                  <a16:creationId xmlns:a16="http://schemas.microsoft.com/office/drawing/2014/main" id="{E0486B8E-86A1-4261-A479-DD6F26DD2104}"/>
+                </a:ext>
+              </a:extLst>
+            </p:cNvPr>
+            <p:cNvSpPr/>
+            <p:nvPr/>
+          </p:nvSpPr>
+          <p:spPr>
+            <a:xfrm>
+              <a:off x="2068945" y="1108364"/>
+              <a:ext cx="600364" cy="600364"/>
+            </a:xfrm>
+            <a:prstGeom prst="smileyFace">
+              <a:avLst/>
+            </a:prstGeom>
+          </p:spPr>
+          <p:style>
+            <a:lnRef idx="2">
+              <a:schemeClr val="dk1"/>
+            </a:lnRef>
+            <a:fillRef idx="1">
+              <a:schemeClr val="lt1"/>
+            </a:fillRef>
+            <a:effectRef idx="0">
+              <a:schemeClr val="dk1"/>
+            </a:effectRef>
+            <a:fontRef idx="minor">
+              <a:schemeClr val="dk1"/>
+            </a:fontRef>
+          </p:style>
+          <p:txBody>
+            <a:bodyPr rtlCol="0" anchor="ctr"/>
+            <a:lstStyle/>
+            <a:p>
+              <a:pPr algn="ctr"/>
+              <a:endParaRPr lang="zh-CN" altLang="en-US"/>
+            </a:p>
+          </p:txBody>
+        </p:sp>
+        <p:sp>
+          <p:nvSpPr>
+            <p:cNvPr id="11" name="文本框 10">
+              <a:extLst>
+                <a:ext uri="{FF2B5EF4-FFF2-40B4-BE49-F238E27FC236}">
+                  <a16:creationId xmlns:a16="http://schemas.microsoft.com/office/drawing/2014/main" id="{C6600037-CEA8-4D31-AFF5-EB99760B4272}"/>
+                </a:ext>
+              </a:extLst>
+            </p:cNvPr>
+            <p:cNvSpPr txBox="1"/>
+            <p:nvPr/>
+          </p:nvSpPr>
+          <p:spPr>
+            <a:xfrm>
+              <a:off x="1884061" y="1802998"/>
+              <a:ext cx="970137" cy="584775"/>
+            </a:xfrm>
+            <a:prstGeom prst="rect">
+              <a:avLst/>
+            </a:prstGeom>
+            <a:noFill/>
+          </p:spPr>
+          <p:txBody>
+            <a:bodyPr wrap="none" rtlCol="0">
+              <a:spAutoFit/>
+            </a:bodyPr>
+            <a:lstStyle/>
+            <a:p>
+              <a:pPr algn="ctr"/>
+              <a:r>
+                <a:rPr lang="en-US" altLang="zh-CN" sz="1600" dirty="0"/>
+                <a:t>Listening</a:t>
+              </a:r>
+            </a:p>
+            <a:p>
+              <a:pPr algn="ctr"/>
+              <a:r>
+                <a:rPr lang="en-US" altLang="zh-CN" sz="1600" dirty="0"/>
+                <a:t>Agent</a:t>
+              </a:r>
+              <a:endParaRPr lang="zh-CN" altLang="en-US" sz="1600" dirty="0"/>
+            </a:p>
+          </p:txBody>
+        </p:sp>
+      </p:grpSp>
+      <p:sp>
+        <p:nvSpPr>
+          <p:cNvPr id="12" name="矩形 11">
+            <a:extLst>
+              <a:ext uri="{FF2B5EF4-FFF2-40B4-BE49-F238E27FC236}">
+                <a16:creationId xmlns:a16="http://schemas.microsoft.com/office/drawing/2014/main" id="{405A0AA6-E415-48A5-AFD6-0A4F367BE1DA}"/>
+              </a:ext>
+            </a:extLst>
+          </p:cNvPr>
+          <p:cNvSpPr/>
+          <p:nvPr/>
+        </p:nvSpPr>
+        <p:spPr>
+          <a:xfrm>
+            <a:off x="648282" y="601076"/>
+            <a:ext cx="597961" cy="1200329"/>
+          </a:xfrm>
+          <a:prstGeom prst="rect">
+            <a:avLst/>
+          </a:prstGeom>
+        </p:spPr>
+        <p:txBody>
+          <a:bodyPr wrap="square">
+            <a:spAutoFit/>
+          </a:bodyPr>
+          <a:lstStyle/>
+          <a:p>
+            <a:r>
+              <a:rPr lang="zh-CN" altLang="en-US" sz="2400" b="0" i="0" dirty="0">
+                <a:solidFill>
+                  <a:srgbClr val="FF0000"/>
+                </a:solidFill>
+                <a:effectLst/>
+                <a:latin typeface="Segoe UI Emoji" panose="020B0502040204020203" pitchFamily="34" charset="0"/>
+              </a:rPr>
+              <a:t>🍎</a:t>
+            </a:r>
+            <a:endParaRPr lang="en-US" altLang="zh-CN" sz="2400" b="0" i="0" dirty="0">
+              <a:solidFill>
+                <a:srgbClr val="FF0000"/>
+              </a:solidFill>
+              <a:effectLst/>
+              <a:latin typeface="Segoe UI Emoji" panose="020B0502040204020203" pitchFamily="34" charset="0"/>
+            </a:endParaRPr>
+          </a:p>
+          <a:p>
+            <a:r>
+              <a:rPr lang="zh-CN" altLang="en-US" sz="2400" b="0" i="0" dirty="0">
+                <a:solidFill>
+                  <a:srgbClr val="FF0000"/>
+                </a:solidFill>
+                <a:effectLst/>
+                <a:latin typeface="Segoe UI Emoji" panose="020B0502040204020203" pitchFamily="34" charset="0"/>
+              </a:rPr>
+              <a:t>🍎</a:t>
+            </a:r>
+            <a:endParaRPr lang="en-US" altLang="zh-CN" sz="2400" b="0" i="0" dirty="0">
+              <a:solidFill>
+                <a:srgbClr val="FF0000"/>
+              </a:solidFill>
+              <a:effectLst/>
+              <a:latin typeface="Segoe UI Emoji" panose="020B0502040204020203" pitchFamily="34" charset="0"/>
+            </a:endParaRPr>
+          </a:p>
+          <a:p>
+            <a:r>
+              <a:rPr lang="zh-CN" altLang="en-US" sz="2400" b="0" i="0" dirty="0">
+                <a:solidFill>
+                  <a:srgbClr val="FF0000"/>
+                </a:solidFill>
+                <a:effectLst/>
+                <a:latin typeface="Segoe UI Emoji" panose="020B0502040204020203" pitchFamily="34" charset="0"/>
+              </a:rPr>
+              <a:t>🍎</a:t>
+            </a:r>
+            <a:endParaRPr lang="zh-CN" altLang="en-US" sz="2400" dirty="0">
+              <a:solidFill>
+                <a:srgbClr val="FF0000"/>
+              </a:solidFill>
+            </a:endParaRPr>
+          </a:p>
+        </p:txBody>
+      </p:sp>
+      <p:cxnSp>
+        <p:nvCxnSpPr>
+          <p:cNvPr id="17" name="直接箭头连接符 16">
+            <a:extLst>
+              <a:ext uri="{FF2B5EF4-FFF2-40B4-BE49-F238E27FC236}">
+                <a16:creationId xmlns:a16="http://schemas.microsoft.com/office/drawing/2014/main" id="{85974848-9384-4D7B-8E51-F3CAD3BF8F4A}"/>
+              </a:ext>
+            </a:extLst>
+          </p:cNvPr>
+          <p:cNvCxnSpPr>
+            <a:cxnSpLocks/>
+            <a:stCxn id="12" idx="0"/>
+            <a:endCxn id="5" idx="1"/>
+          </p:cNvCxnSpPr>
+          <p:nvPr/>
+        </p:nvCxnSpPr>
+        <p:spPr>
+          <a:xfrm>
+            <a:off x="947263" y="601076"/>
+            <a:ext cx="1280749" cy="445949"/>
+          </a:xfrm>
+          <a:prstGeom prst="straightConnector1">
+            <a:avLst/>
+          </a:prstGeom>
+          <a:ln w="15875">
+            <a:solidFill>
+              <a:schemeClr val="tx1"/>
+            </a:solidFill>
+            <a:prstDash val="sysDash"/>
+            <a:tailEnd type="none"/>
+          </a:ln>
+        </p:spPr>
+        <p:style>
+          <a:lnRef idx="1">
+            <a:schemeClr val="accent1"/>
+          </a:lnRef>
+          <a:fillRef idx="0">
+            <a:schemeClr val="accent1"/>
+          </a:fillRef>
+          <a:effectRef idx="0">
+            <a:schemeClr val="accent1"/>
+          </a:effectRef>
+          <a:fontRef idx="minor">
+            <a:schemeClr val="tx1"/>
+          </a:fontRef>
+        </p:style>
+      </p:cxnSp>
+      <p:cxnSp>
+        <p:nvCxnSpPr>
+          <p:cNvPr id="18" name="直接箭头连接符 17">
+            <a:extLst>
+              <a:ext uri="{FF2B5EF4-FFF2-40B4-BE49-F238E27FC236}">
+                <a16:creationId xmlns:a16="http://schemas.microsoft.com/office/drawing/2014/main" id="{9C5D5846-84F3-4CBC-B077-718F772AD5DA}"/>
+              </a:ext>
+            </a:extLst>
+          </p:cNvPr>
+          <p:cNvCxnSpPr>
+            <a:cxnSpLocks/>
+            <a:stCxn id="12" idx="2"/>
+            <a:endCxn id="5" idx="3"/>
+          </p:cNvCxnSpPr>
+          <p:nvPr/>
+        </p:nvCxnSpPr>
+        <p:spPr>
+          <a:xfrm flipV="1">
+            <a:off x="947263" y="1471547"/>
+            <a:ext cx="1280749" cy="329858"/>
+          </a:xfrm>
+          <a:prstGeom prst="straightConnector1">
+            <a:avLst/>
+          </a:prstGeom>
+          <a:ln w="15875">
+            <a:solidFill>
+              <a:schemeClr val="tx1"/>
+            </a:solidFill>
+            <a:prstDash val="sysDash"/>
+            <a:tailEnd type="none"/>
+          </a:ln>
+        </p:spPr>
+        <p:style>
+          <a:lnRef idx="1">
+            <a:schemeClr val="accent1"/>
+          </a:lnRef>
+          <a:fillRef idx="0">
+            <a:schemeClr val="accent1"/>
+          </a:fillRef>
+          <a:effectRef idx="0">
+            <a:schemeClr val="accent1"/>
+          </a:effectRef>
+          <a:fontRef idx="minor">
+            <a:schemeClr val="tx1"/>
+          </a:fontRef>
+        </p:style>
+      </p:cxnSp>
+      <p:sp>
+        <p:nvSpPr>
+          <p:cNvPr id="21" name="标注: 线形(带边框和强调线) 20">
+            <a:extLst>
+              <a:ext uri="{FF2B5EF4-FFF2-40B4-BE49-F238E27FC236}">
+                <a16:creationId xmlns:a16="http://schemas.microsoft.com/office/drawing/2014/main" id="{4F6E445F-F37B-4FED-B796-9996979F7F02}"/>
+              </a:ext>
+            </a:extLst>
+          </p:cNvPr>
+          <p:cNvSpPr/>
+          <p:nvPr/>
+        </p:nvSpPr>
+        <p:spPr>
+          <a:xfrm>
+            <a:off x="3026183" y="892284"/>
+            <a:ext cx="1132076" cy="261768"/>
+          </a:xfrm>
+          <a:prstGeom prst="accentBorderCallout1">
+            <a:avLst>
+              <a:gd name="adj1" fmla="val 58364"/>
+              <a:gd name="adj2" fmla="val -4170"/>
+              <a:gd name="adj3" fmla="val 139678"/>
+              <a:gd name="adj4" fmla="val -18287"/>
+            </a:avLst>
+          </a:prstGeom>
+        </p:spPr>
+        <p:style>
+          <a:lnRef idx="2">
+            <a:schemeClr val="dk1"/>
+          </a:lnRef>
+          <a:fillRef idx="1">
+            <a:schemeClr val="lt1"/>
+          </a:fillRef>
+          <a:effectRef idx="0">
+            <a:schemeClr val="dk1"/>
+          </a:effectRef>
+          <a:fontRef idx="minor">
+            <a:schemeClr val="dk1"/>
+          </a:fontRef>
+        </p:style>
+        <p:txBody>
+          <a:bodyPr rtlCol="0" anchor="ctr"/>
+          <a:lstStyle/>
+          <a:p>
+            <a:pPr algn="ctr"/>
+            <a:r>
+              <a:rPr lang="en-US" altLang="zh-CN" dirty="0"/>
+              <a:t>Message</a:t>
+            </a:r>
+            <a:endParaRPr lang="zh-CN" altLang="en-US" dirty="0"/>
+          </a:p>
+        </p:txBody>
+      </p:sp>
+      <p:cxnSp>
+        <p:nvCxnSpPr>
+          <p:cNvPr id="23" name="直接箭头连接符 22">
+            <a:extLst>
+              <a:ext uri="{FF2B5EF4-FFF2-40B4-BE49-F238E27FC236}">
+                <a16:creationId xmlns:a16="http://schemas.microsoft.com/office/drawing/2014/main" id="{C5FB96D4-D20F-4ED9-94B9-6E5C2A192758}"/>
+              </a:ext>
+            </a:extLst>
+          </p:cNvPr>
+          <p:cNvCxnSpPr>
+            <a:stCxn id="5" idx="6"/>
+            <a:endCxn id="10" idx="2"/>
+          </p:cNvCxnSpPr>
+          <p:nvPr/>
+        </p:nvCxnSpPr>
+        <p:spPr>
+          <a:xfrm flipV="1">
+            <a:off x="2740455" y="1256856"/>
+            <a:ext cx="1640381" cy="2430"/>
+          </a:xfrm>
+          <a:prstGeom prst="straightConnector1">
+            <a:avLst/>
+          </a:prstGeom>
+          <a:ln w="12700">
+            <a:solidFill>
+              <a:schemeClr val="tx1"/>
+            </a:solidFill>
+            <a:tailEnd type="triangle"/>
+          </a:ln>
+        </p:spPr>
+        <p:style>
+          <a:lnRef idx="1">
+            <a:schemeClr val="accent1"/>
+          </a:lnRef>
+          <a:fillRef idx="0">
+            <a:schemeClr val="accent1"/>
+          </a:fillRef>
+          <a:effectRef idx="0">
+            <a:schemeClr val="accent1"/>
+          </a:effectRef>
+          <a:fontRef idx="minor">
+            <a:schemeClr val="tx1"/>
+          </a:fontRef>
+        </p:style>
+      </p:cxnSp>
+      <p:graphicFrame>
+        <p:nvGraphicFramePr>
+          <p:cNvPr id="24" name="表格 23">
+            <a:extLst>
+              <a:ext uri="{FF2B5EF4-FFF2-40B4-BE49-F238E27FC236}">
+                <a16:creationId xmlns:a16="http://schemas.microsoft.com/office/drawing/2014/main" id="{42D5A01D-2307-44AE-AF77-9C614F071C7B}"/>
+              </a:ext>
+            </a:extLst>
+          </p:cNvPr>
+          <p:cNvGraphicFramePr>
+            <a:graphicFrameLocks noGrp="1"/>
+          </p:cNvGraphicFramePr>
+          <p:nvPr>
+            <p:extLst>
+              <p:ext uri="{D42A27DB-BD31-4B8C-83A1-F6EECF244321}">
+                <p14:modId xmlns:p14="http://schemas.microsoft.com/office/powerpoint/2010/main" val="983373334"/>
+              </p:ext>
+            </p:extLst>
+          </p:nvPr>
+        </p:nvGraphicFramePr>
+        <p:xfrm>
+          <a:off x="6370415" y="746262"/>
+          <a:ext cx="505334" cy="1021186"/>
+        </p:xfrm>
+        <a:graphic>
+          <a:graphicData uri="http://schemas.openxmlformats.org/drawingml/2006/table">
+            <a:tbl>
+              <a:tblPr firstRow="1" bandRow="1">
+                <a:tableStyleId>{5940675A-B579-460E-94D1-54222C63F5DA}</a:tableStyleId>
+              </a:tblPr>
+              <a:tblGrid>
+                <a:gridCol w="505334">
+                  <a:extLst>
+                    <a:ext uri="{9D8B030D-6E8A-4147-A177-3AD203B41FA5}">
+                      <a16:colId xmlns:a16="http://schemas.microsoft.com/office/drawing/2014/main" val="2714647454"/>
+                    </a:ext>
+                  </a:extLst>
+                </a:gridCol>
+              </a:tblGrid>
+              <a:tr h="510593">
+                <a:tc>
+                  <a:txBody>
+                    <a:bodyPr/>
+                    <a:lstStyle/>
+                    <a:p>
+                      <a:pPr algn="ctr"/>
+                      <a:r>
+                        <a:rPr lang="zh-CN" altLang="en-US" sz="1800" b="0" i="0" dirty="0">
+                          <a:solidFill>
+                            <a:srgbClr val="FF0000"/>
+                          </a:solidFill>
+                          <a:effectLst/>
+                          <a:latin typeface="Segoe UI Emoji" panose="020B0502040204020203" pitchFamily="34" charset="0"/>
+                        </a:rPr>
+                        <a:t>🍎</a:t>
+                      </a:r>
+                      <a:endParaRPr lang="zh-CN" altLang="en-US" dirty="0"/>
+                    </a:p>
+                  </a:txBody>
+                  <a:tcPr anchor="ctr"/>
+                </a:tc>
+                <a:extLst>
+                  <a:ext uri="{0D108BD9-81ED-4DB2-BD59-A6C34878D82A}">
+                    <a16:rowId xmlns:a16="http://schemas.microsoft.com/office/drawing/2014/main" val="4046201338"/>
+                  </a:ext>
+                </a:extLst>
+              </a:tr>
+              <a:tr h="510593">
+                <a:tc>
+                  <a:txBody>
+                    <a:bodyPr/>
+                    <a:lstStyle/>
+                    <a:p>
+                      <a:pPr algn="ctr"/>
+                      <a:r>
+                        <a:rPr lang="en-US" altLang="zh-CN" dirty="0"/>
+                        <a:t>E</a:t>
+                      </a:r>
+                      <a:endParaRPr lang="zh-CN" altLang="en-US" dirty="0"/>
+                    </a:p>
+                  </a:txBody>
+                  <a:tcPr anchor="ctr"/>
+                </a:tc>
+                <a:extLst>
+                  <a:ext uri="{0D108BD9-81ED-4DB2-BD59-A6C34878D82A}">
+                    <a16:rowId xmlns:a16="http://schemas.microsoft.com/office/drawing/2014/main" val="3589676022"/>
+                  </a:ext>
+                </a:extLst>
+              </a:tr>
+            </a:tbl>
+          </a:graphicData>
+        </a:graphic>
+      </p:graphicFrame>
+      <p:cxnSp>
+        <p:nvCxnSpPr>
+          <p:cNvPr id="27" name="直接箭头连接符 26">
+            <a:extLst>
+              <a:ext uri="{FF2B5EF4-FFF2-40B4-BE49-F238E27FC236}">
+                <a16:creationId xmlns:a16="http://schemas.microsoft.com/office/drawing/2014/main" id="{0AC3B317-62FD-488A-958E-75C1B9043826}"/>
+              </a:ext>
+            </a:extLst>
+          </p:cNvPr>
+          <p:cNvCxnSpPr>
+            <a:cxnSpLocks/>
+            <a:stCxn id="10" idx="6"/>
+          </p:cNvCxnSpPr>
+          <p:nvPr/>
+        </p:nvCxnSpPr>
+        <p:spPr>
+          <a:xfrm flipV="1">
+            <a:off x="4981200" y="956674"/>
+            <a:ext cx="1389215" cy="300182"/>
+          </a:xfrm>
+          <a:prstGeom prst="straightConnector1">
+            <a:avLst/>
+          </a:prstGeom>
+          <a:ln w="12700">
+            <a:solidFill>
+              <a:schemeClr val="tx1"/>
+            </a:solidFill>
+            <a:tailEnd type="triangle"/>
+          </a:ln>
+        </p:spPr>
+        <p:style>
+          <a:lnRef idx="1">
+            <a:schemeClr val="accent1"/>
+          </a:lnRef>
+          <a:fillRef idx="0">
+            <a:schemeClr val="accent1"/>
+          </a:fillRef>
+          <a:effectRef idx="0">
+            <a:schemeClr val="accent1"/>
+          </a:effectRef>
+          <a:fontRef idx="minor">
+            <a:schemeClr val="tx1"/>
+          </a:fontRef>
+        </p:style>
+      </p:cxnSp>
+      <p:sp>
+        <p:nvSpPr>
+          <p:cNvPr id="36" name="矩形 35">
+            <a:extLst>
+              <a:ext uri="{FF2B5EF4-FFF2-40B4-BE49-F238E27FC236}">
+                <a16:creationId xmlns:a16="http://schemas.microsoft.com/office/drawing/2014/main" id="{84135238-7BB9-4EBE-A7CC-CAC74CE31656}"/>
+              </a:ext>
+            </a:extLst>
+          </p:cNvPr>
+          <p:cNvSpPr/>
+          <p:nvPr/>
+        </p:nvSpPr>
+        <p:spPr>
+          <a:xfrm>
+            <a:off x="264873" y="235669"/>
+            <a:ext cx="1249142" cy="2042373"/>
+          </a:xfrm>
+          <a:prstGeom prst="rect">
+            <a:avLst/>
+          </a:prstGeom>
+          <a:noFill/>
+          <a:ln w="19050">
+            <a:solidFill>
+              <a:schemeClr val="tx1"/>
+            </a:solidFill>
+          </a:ln>
+        </p:spPr>
+        <p:style>
+          <a:lnRef idx="2">
+            <a:schemeClr val="accent1">
+              <a:shade val="50000"/>
+            </a:schemeClr>
+          </a:lnRef>
+          <a:fillRef idx="1">
+            <a:schemeClr val="accent1"/>
+          </a:fillRef>
+          <a:effectRef idx="0">
+            <a:schemeClr val="accent1"/>
+          </a:effectRef>
+          <a:fontRef idx="minor">
+            <a:schemeClr val="lt1"/>
+          </a:fontRef>
+        </p:style>
+        <p:txBody>
+          <a:bodyPr vert="vert270" rtlCol="0" anchor="t" anchorCtr="0"/>
+          <a:lstStyle/>
+          <a:p>
+            <a:pPr algn="ctr"/>
+            <a:r>
+              <a:rPr lang="en-US" altLang="zh-CN" dirty="0">
+                <a:solidFill>
+                  <a:schemeClr val="tx1"/>
+                </a:solidFill>
+              </a:rPr>
+              <a:t>Food Warehouse</a:t>
+            </a:r>
+            <a:endParaRPr lang="zh-CN" altLang="en-US" dirty="0">
+              <a:solidFill>
+                <a:schemeClr val="tx1"/>
+              </a:solidFill>
+            </a:endParaRPr>
+          </a:p>
+        </p:txBody>
+      </p:sp>
+      <p:cxnSp>
+        <p:nvCxnSpPr>
+          <p:cNvPr id="33" name="直接箭头连接符 32">
+            <a:extLst>
+              <a:ext uri="{FF2B5EF4-FFF2-40B4-BE49-F238E27FC236}">
+                <a16:creationId xmlns:a16="http://schemas.microsoft.com/office/drawing/2014/main" id="{560ECEFA-7BAC-47AB-B045-8E5C2839BAB6}"/>
+              </a:ext>
+            </a:extLst>
+          </p:cNvPr>
+          <p:cNvCxnSpPr>
+            <a:cxnSpLocks/>
+            <a:stCxn id="10" idx="6"/>
+          </p:cNvCxnSpPr>
+          <p:nvPr/>
+        </p:nvCxnSpPr>
+        <p:spPr>
+          <a:xfrm>
+            <a:off x="4981200" y="1256856"/>
+            <a:ext cx="1358034" cy="260919"/>
+          </a:xfrm>
+          <a:prstGeom prst="straightConnector1">
+            <a:avLst/>
+          </a:prstGeom>
+          <a:ln w="12700">
+            <a:solidFill>
+              <a:schemeClr val="tx1"/>
+            </a:solidFill>
+            <a:tailEnd type="triangle"/>
+          </a:ln>
+        </p:spPr>
+        <p:style>
+          <a:lnRef idx="1">
+            <a:schemeClr val="accent1"/>
+          </a:lnRef>
+          <a:fillRef idx="0">
+            <a:schemeClr val="accent1"/>
+          </a:fillRef>
+          <a:effectRef idx="0">
+            <a:schemeClr val="accent1"/>
+          </a:effectRef>
+          <a:fontRef idx="minor">
+            <a:schemeClr val="tx1"/>
+          </a:fontRef>
+        </p:style>
+      </p:cxnSp>
+      <p:sp>
+        <p:nvSpPr>
+          <p:cNvPr id="28" name="文本框 27">
+            <a:extLst>
+              <a:ext uri="{FF2B5EF4-FFF2-40B4-BE49-F238E27FC236}">
+                <a16:creationId xmlns:a16="http://schemas.microsoft.com/office/drawing/2014/main" id="{C3FCC5BC-6453-4EC7-99CC-7ABC1C40D7EF}"/>
+              </a:ext>
+            </a:extLst>
+          </p:cNvPr>
+          <p:cNvSpPr txBox="1"/>
+          <p:nvPr/>
+        </p:nvSpPr>
+        <p:spPr>
+          <a:xfrm>
+            <a:off x="5360690" y="621917"/>
+            <a:ext cx="758541" cy="369332"/>
+          </a:xfrm>
+          <a:prstGeom prst="rect">
+            <a:avLst/>
+          </a:prstGeom>
+          <a:noFill/>
+        </p:spPr>
+        <p:txBody>
+          <a:bodyPr wrap="none" rtlCol="0">
+            <a:spAutoFit/>
+          </a:bodyPr>
+          <a:lstStyle/>
+          <a:p>
+            <a:r>
+              <a:rPr lang="en-US" altLang="zh-CN" dirty="0"/>
+              <a:t>(1) 2X</a:t>
+            </a:r>
+            <a:endParaRPr lang="zh-CN" altLang="en-US" dirty="0"/>
+          </a:p>
+        </p:txBody>
+      </p:sp>
+      <p:sp>
+        <p:nvSpPr>
+          <p:cNvPr id="41" name="文本框 40">
+            <a:extLst>
+              <a:ext uri="{FF2B5EF4-FFF2-40B4-BE49-F238E27FC236}">
+                <a16:creationId xmlns:a16="http://schemas.microsoft.com/office/drawing/2014/main" id="{9B30C37C-717D-4D95-AC7E-271CB3C4690B}"/>
+              </a:ext>
+            </a:extLst>
+          </p:cNvPr>
+          <p:cNvSpPr txBox="1"/>
+          <p:nvPr/>
+        </p:nvSpPr>
+        <p:spPr>
+          <a:xfrm>
+            <a:off x="5360691" y="1497353"/>
+            <a:ext cx="758541" cy="369332"/>
+          </a:xfrm>
+          <a:prstGeom prst="rect">
+            <a:avLst/>
+          </a:prstGeom>
+          <a:noFill/>
+        </p:spPr>
+        <p:txBody>
+          <a:bodyPr wrap="none" rtlCol="0">
+            <a:spAutoFit/>
+          </a:bodyPr>
+          <a:lstStyle/>
+          <a:p>
+            <a:r>
+              <a:rPr lang="en-US" altLang="zh-CN" dirty="0"/>
+              <a:t>(2) 1X</a:t>
+            </a:r>
+            <a:endParaRPr lang="zh-CN" altLang="en-US" dirty="0"/>
+          </a:p>
+        </p:txBody>
+      </p:sp>
+    </p:spTree>
+    <p:extLst>
+      <p:ext uri="{BB962C8B-B14F-4D97-AF65-F5344CB8AC3E}">
+        <p14:creationId xmlns:p14="http://schemas.microsoft.com/office/powerpoint/2010/main" val="1376037292"/>
+      </p:ext>
+    </p:extLst>
+  </p:cSld>
+  <p:clrMapOvr>
+    <a:masterClrMapping/>
+  </p:clrMapOvr>
+</p:sld>
+</file>
+
+<file path=ppt/slides/slide5.xml><?xml version="1.0" encoding="utf-8"?>
+<p:sld xmlns:a="http://schemas.openxmlformats.org/drawingml/2006/main" xmlns:r="http://schemas.openxmlformats.org/officeDocument/2006/relationships" xmlns:p="http://schemas.openxmlformats.org/presentationml/2006/main">
+  <p:cSld>
+    <p:spTree>
+      <p:nvGrpSpPr>
+        <p:cNvPr id="1" name=""/>
+        <p:cNvGrpSpPr/>
+        <p:nvPr/>
+      </p:nvGrpSpPr>
+      <p:grpSpPr>
+        <a:xfrm>
+          <a:off x="0" y="0"/>
+          <a:ext cx="0" cy="0"/>
+          <a:chOff x="0" y="0"/>
+          <a:chExt cx="0" cy="0"/>
+        </a:xfrm>
+      </p:grpSpPr>
+      <p:grpSp>
+        <p:nvGrpSpPr>
+          <p:cNvPr id="8" name="组合 7">
+            <a:extLst>
+              <a:ext uri="{FF2B5EF4-FFF2-40B4-BE49-F238E27FC236}">
+                <a16:creationId xmlns:a16="http://schemas.microsoft.com/office/drawing/2014/main" id="{6BBF5554-A06A-477F-A6CC-0F3124C6F794}"/>
+              </a:ext>
+            </a:extLst>
+          </p:cNvPr>
+          <p:cNvGrpSpPr/>
+          <p:nvPr/>
+        </p:nvGrpSpPr>
+        <p:grpSpPr>
+          <a:xfrm>
+            <a:off x="1494737" y="959104"/>
+            <a:ext cx="989373" cy="1307690"/>
+            <a:chOff x="1874441" y="1108364"/>
+            <a:chExt cx="989373" cy="1307690"/>
+          </a:xfrm>
+        </p:grpSpPr>
+        <p:sp>
+          <p:nvSpPr>
+            <p:cNvPr id="5" name="笑脸 4">
+              <a:extLst>
+                <a:ext uri="{FF2B5EF4-FFF2-40B4-BE49-F238E27FC236}">
+                  <a16:creationId xmlns:a16="http://schemas.microsoft.com/office/drawing/2014/main" id="{13EF2DEA-88B6-43F3-998F-766B7F0069E3}"/>
+                </a:ext>
+              </a:extLst>
+            </p:cNvPr>
+            <p:cNvSpPr/>
+            <p:nvPr/>
+          </p:nvSpPr>
+          <p:spPr>
+            <a:xfrm>
+              <a:off x="2068945" y="1108364"/>
+              <a:ext cx="600364" cy="600364"/>
+            </a:xfrm>
+            <a:prstGeom prst="smileyFace">
+              <a:avLst/>
+            </a:prstGeom>
+          </p:spPr>
+          <p:style>
+            <a:lnRef idx="2">
+              <a:schemeClr val="dk1"/>
+            </a:lnRef>
+            <a:fillRef idx="1">
+              <a:schemeClr val="lt1"/>
+            </a:fillRef>
+            <a:effectRef idx="0">
+              <a:schemeClr val="dk1"/>
+            </a:effectRef>
+            <a:fontRef idx="minor">
+              <a:schemeClr val="dk1"/>
+            </a:fontRef>
+          </p:style>
+          <p:txBody>
+            <a:bodyPr rtlCol="0" anchor="ctr"/>
+            <a:lstStyle/>
+            <a:p>
+              <a:pPr algn="ctr"/>
+              <a:endParaRPr lang="zh-CN" altLang="en-US"/>
+            </a:p>
+          </p:txBody>
+        </p:sp>
+        <p:sp>
+          <p:nvSpPr>
+            <p:cNvPr id="7" name="文本框 6">
+              <a:extLst>
+                <a:ext uri="{FF2B5EF4-FFF2-40B4-BE49-F238E27FC236}">
+                  <a16:creationId xmlns:a16="http://schemas.microsoft.com/office/drawing/2014/main" id="{8DF47530-2047-45B6-B86E-56AE08B4239D}"/>
+                </a:ext>
+              </a:extLst>
+            </p:cNvPr>
+            <p:cNvSpPr txBox="1"/>
+            <p:nvPr/>
+          </p:nvSpPr>
+          <p:spPr>
+            <a:xfrm>
+              <a:off x="1874441" y="1831279"/>
+              <a:ext cx="989373" cy="584775"/>
+            </a:xfrm>
+            <a:prstGeom prst="rect">
+              <a:avLst/>
+            </a:prstGeom>
+            <a:noFill/>
+          </p:spPr>
+          <p:txBody>
+            <a:bodyPr wrap="none" rtlCol="0">
+              <a:spAutoFit/>
+            </a:bodyPr>
+            <a:lstStyle/>
+            <a:p>
+              <a:pPr algn="ctr"/>
+              <a:r>
+                <a:rPr lang="en-US" altLang="zh-CN" sz="1600" dirty="0"/>
+                <a:t>Speaking</a:t>
+              </a:r>
+            </a:p>
+            <a:p>
+              <a:pPr algn="ctr"/>
+              <a:r>
+                <a:rPr lang="en-US" altLang="zh-CN" sz="1600" dirty="0"/>
+                <a:t>Agent</a:t>
+              </a:r>
+              <a:endParaRPr lang="zh-CN" altLang="en-US" sz="1600" dirty="0"/>
+            </a:p>
+          </p:txBody>
+        </p:sp>
+      </p:grpSp>
+      <p:grpSp>
+        <p:nvGrpSpPr>
+          <p:cNvPr id="9" name="组合 8">
+            <a:extLst>
+              <a:ext uri="{FF2B5EF4-FFF2-40B4-BE49-F238E27FC236}">
+                <a16:creationId xmlns:a16="http://schemas.microsoft.com/office/drawing/2014/main" id="{AB30BD60-89F5-4BCC-AB33-6D39E56A434A}"/>
+              </a:ext>
+            </a:extLst>
+          </p:cNvPr>
+          <p:cNvGrpSpPr/>
+          <p:nvPr/>
+        </p:nvGrpSpPr>
+        <p:grpSpPr>
+          <a:xfrm>
+            <a:off x="3745102" y="956674"/>
+            <a:ext cx="970137" cy="1279409"/>
+            <a:chOff x="1884061" y="1108364"/>
+            <a:chExt cx="970137" cy="1279409"/>
+          </a:xfrm>
+        </p:grpSpPr>
+        <p:sp>
+          <p:nvSpPr>
+            <p:cNvPr id="10" name="笑脸 9">
+              <a:extLst>
+                <a:ext uri="{FF2B5EF4-FFF2-40B4-BE49-F238E27FC236}">
+                  <a16:creationId xmlns:a16="http://schemas.microsoft.com/office/drawing/2014/main" id="{E0486B8E-86A1-4261-A479-DD6F26DD2104}"/>
+                </a:ext>
+              </a:extLst>
+            </p:cNvPr>
+            <p:cNvSpPr/>
+            <p:nvPr/>
+          </p:nvSpPr>
+          <p:spPr>
+            <a:xfrm>
+              <a:off x="2068945" y="1108364"/>
+              <a:ext cx="600364" cy="600364"/>
+            </a:xfrm>
+            <a:prstGeom prst="smileyFace">
+              <a:avLst/>
+            </a:prstGeom>
+          </p:spPr>
+          <p:style>
+            <a:lnRef idx="2">
+              <a:schemeClr val="dk1"/>
+            </a:lnRef>
+            <a:fillRef idx="1">
+              <a:schemeClr val="lt1"/>
+            </a:fillRef>
+            <a:effectRef idx="0">
+              <a:schemeClr val="dk1"/>
+            </a:effectRef>
+            <a:fontRef idx="minor">
+              <a:schemeClr val="dk1"/>
+            </a:fontRef>
+          </p:style>
+          <p:txBody>
+            <a:bodyPr rtlCol="0" anchor="ctr"/>
+            <a:lstStyle/>
+            <a:p>
+              <a:pPr algn="ctr"/>
+              <a:endParaRPr lang="zh-CN" altLang="en-US"/>
+            </a:p>
+          </p:txBody>
+        </p:sp>
+        <p:sp>
+          <p:nvSpPr>
+            <p:cNvPr id="11" name="文本框 10">
+              <a:extLst>
+                <a:ext uri="{FF2B5EF4-FFF2-40B4-BE49-F238E27FC236}">
+                  <a16:creationId xmlns:a16="http://schemas.microsoft.com/office/drawing/2014/main" id="{C6600037-CEA8-4D31-AFF5-EB99760B4272}"/>
+                </a:ext>
+              </a:extLst>
+            </p:cNvPr>
+            <p:cNvSpPr txBox="1"/>
+            <p:nvPr/>
+          </p:nvSpPr>
+          <p:spPr>
+            <a:xfrm>
+              <a:off x="1884061" y="1802998"/>
+              <a:ext cx="970137" cy="584775"/>
+            </a:xfrm>
+            <a:prstGeom prst="rect">
+              <a:avLst/>
+            </a:prstGeom>
+            <a:noFill/>
+          </p:spPr>
+          <p:txBody>
+            <a:bodyPr wrap="none" rtlCol="0">
+              <a:spAutoFit/>
+            </a:bodyPr>
+            <a:lstStyle/>
+            <a:p>
+              <a:pPr algn="ctr"/>
+              <a:r>
+                <a:rPr lang="en-US" altLang="zh-CN" sz="1600" dirty="0"/>
+                <a:t>Listening</a:t>
+              </a:r>
+            </a:p>
+            <a:p>
+              <a:pPr algn="ctr"/>
+              <a:r>
+                <a:rPr lang="en-US" altLang="zh-CN" sz="1600" dirty="0"/>
+                <a:t>Agent</a:t>
+              </a:r>
+              <a:endParaRPr lang="zh-CN" altLang="en-US" sz="1600" dirty="0"/>
+            </a:p>
+          </p:txBody>
+        </p:sp>
+      </p:grpSp>
+      <p:cxnSp>
+        <p:nvCxnSpPr>
+          <p:cNvPr id="17" name="直接箭头连接符 16">
+            <a:extLst>
+              <a:ext uri="{FF2B5EF4-FFF2-40B4-BE49-F238E27FC236}">
+                <a16:creationId xmlns:a16="http://schemas.microsoft.com/office/drawing/2014/main" id="{85974848-9384-4D7B-8E51-F3CAD3BF8F4A}"/>
+              </a:ext>
+            </a:extLst>
+          </p:cNvPr>
+          <p:cNvCxnSpPr>
+            <a:cxnSpLocks/>
+            <a:stCxn id="2" idx="0"/>
+            <a:endCxn id="5" idx="1"/>
+          </p:cNvCxnSpPr>
+          <p:nvPr/>
+        </p:nvCxnSpPr>
+        <p:spPr>
+          <a:xfrm>
+            <a:off x="486809" y="250767"/>
+            <a:ext cx="1290353" cy="796258"/>
+          </a:xfrm>
+          <a:prstGeom prst="straightConnector1">
+            <a:avLst/>
+          </a:prstGeom>
+          <a:ln w="15875">
+            <a:solidFill>
+              <a:schemeClr val="tx1"/>
+            </a:solidFill>
+            <a:prstDash val="sysDash"/>
+            <a:tailEnd type="none"/>
+          </a:ln>
+        </p:spPr>
+        <p:style>
+          <a:lnRef idx="1">
+            <a:schemeClr val="accent1"/>
+          </a:lnRef>
+          <a:fillRef idx="0">
+            <a:schemeClr val="accent1"/>
+          </a:fillRef>
+          <a:effectRef idx="0">
+            <a:schemeClr val="accent1"/>
+          </a:effectRef>
+          <a:fontRef idx="minor">
+            <a:schemeClr val="tx1"/>
+          </a:fontRef>
+        </p:style>
+      </p:cxnSp>
+      <p:cxnSp>
+        <p:nvCxnSpPr>
+          <p:cNvPr id="18" name="直接箭头连接符 17">
+            <a:extLst>
+              <a:ext uri="{FF2B5EF4-FFF2-40B4-BE49-F238E27FC236}">
+                <a16:creationId xmlns:a16="http://schemas.microsoft.com/office/drawing/2014/main" id="{9C5D5846-84F3-4CBC-B077-718F772AD5DA}"/>
+              </a:ext>
+            </a:extLst>
+          </p:cNvPr>
+          <p:cNvCxnSpPr>
+            <a:cxnSpLocks/>
+            <a:stCxn id="2" idx="2"/>
+            <a:endCxn id="5" idx="3"/>
+          </p:cNvCxnSpPr>
+          <p:nvPr/>
+        </p:nvCxnSpPr>
+        <p:spPr>
+          <a:xfrm flipV="1">
+            <a:off x="486809" y="1471547"/>
+            <a:ext cx="1290353" cy="1052316"/>
+          </a:xfrm>
+          <a:prstGeom prst="straightConnector1">
+            <a:avLst/>
+          </a:prstGeom>
+          <a:ln w="15875">
+            <a:solidFill>
+              <a:schemeClr val="tx1"/>
+            </a:solidFill>
+            <a:prstDash val="sysDash"/>
+            <a:tailEnd type="none"/>
+          </a:ln>
+        </p:spPr>
+        <p:style>
+          <a:lnRef idx="1">
+            <a:schemeClr val="accent1"/>
+          </a:lnRef>
+          <a:fillRef idx="0">
+            <a:schemeClr val="accent1"/>
+          </a:fillRef>
+          <a:effectRef idx="0">
+            <a:schemeClr val="accent1"/>
+          </a:effectRef>
+          <a:fontRef idx="minor">
+            <a:schemeClr val="tx1"/>
+          </a:fontRef>
+        </p:style>
+      </p:cxnSp>
+      <p:sp>
+        <p:nvSpPr>
+          <p:cNvPr id="21" name="标注: 线形(带边框和强调线) 20">
+            <a:extLst>
+              <a:ext uri="{FF2B5EF4-FFF2-40B4-BE49-F238E27FC236}">
+                <a16:creationId xmlns:a16="http://schemas.microsoft.com/office/drawing/2014/main" id="{4F6E445F-F37B-4FED-B796-9996979F7F02}"/>
+              </a:ext>
+            </a:extLst>
+          </p:cNvPr>
+          <p:cNvSpPr/>
+          <p:nvPr/>
+        </p:nvSpPr>
+        <p:spPr>
+          <a:xfrm>
+            <a:off x="2575333" y="892284"/>
+            <a:ext cx="1132076" cy="261768"/>
+          </a:xfrm>
+          <a:prstGeom prst="accentBorderCallout1">
+            <a:avLst>
+              <a:gd name="adj1" fmla="val 58364"/>
+              <a:gd name="adj2" fmla="val -4170"/>
+              <a:gd name="adj3" fmla="val 139678"/>
+              <a:gd name="adj4" fmla="val -18287"/>
+            </a:avLst>
+          </a:prstGeom>
+        </p:spPr>
+        <p:style>
+          <a:lnRef idx="2">
+            <a:schemeClr val="dk1"/>
+          </a:lnRef>
+          <a:fillRef idx="1">
+            <a:schemeClr val="lt1"/>
+          </a:fillRef>
+          <a:effectRef idx="0">
+            <a:schemeClr val="dk1"/>
+          </a:effectRef>
+          <a:fontRef idx="minor">
+            <a:schemeClr val="dk1"/>
+          </a:fontRef>
+        </p:style>
+        <p:txBody>
+          <a:bodyPr rtlCol="0" anchor="ctr"/>
+          <a:lstStyle/>
+          <a:p>
+            <a:pPr algn="ctr"/>
+            <a:r>
+              <a:rPr lang="en-US" altLang="zh-CN" dirty="0"/>
+              <a:t>Message</a:t>
+            </a:r>
+            <a:endParaRPr lang="zh-CN" altLang="en-US" dirty="0"/>
+          </a:p>
+        </p:txBody>
+      </p:sp>
+      <p:cxnSp>
+        <p:nvCxnSpPr>
+          <p:cNvPr id="23" name="直接箭头连接符 22">
+            <a:extLst>
+              <a:ext uri="{FF2B5EF4-FFF2-40B4-BE49-F238E27FC236}">
+                <a16:creationId xmlns:a16="http://schemas.microsoft.com/office/drawing/2014/main" id="{C5FB96D4-D20F-4ED9-94B9-6E5C2A192758}"/>
+              </a:ext>
+            </a:extLst>
+          </p:cNvPr>
+          <p:cNvCxnSpPr>
+            <a:stCxn id="5" idx="6"/>
+            <a:endCxn id="10" idx="2"/>
+          </p:cNvCxnSpPr>
+          <p:nvPr/>
+        </p:nvCxnSpPr>
+        <p:spPr>
+          <a:xfrm flipV="1">
+            <a:off x="2289605" y="1256856"/>
+            <a:ext cx="1640381" cy="2430"/>
+          </a:xfrm>
+          <a:prstGeom prst="straightConnector1">
+            <a:avLst/>
+          </a:prstGeom>
+          <a:ln w="12700">
+            <a:solidFill>
+              <a:schemeClr val="tx1"/>
+            </a:solidFill>
+            <a:tailEnd type="triangle"/>
+          </a:ln>
+        </p:spPr>
+        <p:style>
+          <a:lnRef idx="1">
+            <a:schemeClr val="accent1"/>
+          </a:lnRef>
+          <a:fillRef idx="0">
+            <a:schemeClr val="accent1"/>
+          </a:fillRef>
+          <a:effectRef idx="0">
+            <a:schemeClr val="accent1"/>
+          </a:effectRef>
+          <a:fontRef idx="minor">
+            <a:schemeClr val="tx1"/>
+          </a:fontRef>
+        </p:style>
+      </p:cxnSp>
+      <p:cxnSp>
+        <p:nvCxnSpPr>
+          <p:cNvPr id="27" name="直接箭头连接符 26">
+            <a:extLst>
+              <a:ext uri="{FF2B5EF4-FFF2-40B4-BE49-F238E27FC236}">
+                <a16:creationId xmlns:a16="http://schemas.microsoft.com/office/drawing/2014/main" id="{0AC3B317-62FD-488A-958E-75C1B9043826}"/>
+              </a:ext>
+            </a:extLst>
+          </p:cNvPr>
+          <p:cNvCxnSpPr>
+            <a:cxnSpLocks/>
+            <a:stCxn id="10" idx="6"/>
+          </p:cNvCxnSpPr>
+          <p:nvPr/>
+        </p:nvCxnSpPr>
+        <p:spPr>
+          <a:xfrm flipV="1">
+            <a:off x="4530350" y="956674"/>
+            <a:ext cx="1350616" cy="300182"/>
+          </a:xfrm>
+          <a:prstGeom prst="straightConnector1">
+            <a:avLst/>
+          </a:prstGeom>
+          <a:ln w="12700">
+            <a:solidFill>
+              <a:schemeClr val="tx1"/>
+            </a:solidFill>
+            <a:tailEnd type="triangle"/>
+          </a:ln>
+        </p:spPr>
+        <p:style>
+          <a:lnRef idx="1">
+            <a:schemeClr val="accent1"/>
+          </a:lnRef>
+          <a:fillRef idx="0">
+            <a:schemeClr val="accent1"/>
+          </a:fillRef>
+          <a:effectRef idx="0">
+            <a:schemeClr val="accent1"/>
+          </a:effectRef>
+          <a:fontRef idx="minor">
+            <a:schemeClr val="tx1"/>
+          </a:fontRef>
+        </p:style>
+      </p:cxnSp>
+      <p:graphicFrame>
+        <p:nvGraphicFramePr>
+          <p:cNvPr id="2" name="表格 1">
+            <a:extLst>
+              <a:ext uri="{FF2B5EF4-FFF2-40B4-BE49-F238E27FC236}">
+                <a16:creationId xmlns:a16="http://schemas.microsoft.com/office/drawing/2014/main" id="{25ADB470-8675-44FC-BDE7-E712F40E068C}"/>
+              </a:ext>
+            </a:extLst>
+          </p:cNvPr>
+          <p:cNvGraphicFramePr>
+            <a:graphicFrameLocks noGrp="1"/>
+          </p:cNvGraphicFramePr>
+          <p:nvPr>
+            <p:extLst>
+              <p:ext uri="{D42A27DB-BD31-4B8C-83A1-F6EECF244321}">
+                <p14:modId xmlns:p14="http://schemas.microsoft.com/office/powerpoint/2010/main" val="3993182515"/>
+              </p:ext>
+            </p:extLst>
+          </p:nvPr>
+        </p:nvGraphicFramePr>
+        <p:xfrm>
+          <a:off x="358039" y="250767"/>
+          <a:ext cx="257541" cy="2273096"/>
+        </p:xfrm>
+        <a:graphic>
+          <a:graphicData uri="http://schemas.openxmlformats.org/drawingml/2006/table">
+            <a:tbl>
+              <a:tblPr firstRow="1" bandRow="1">
+                <a:tableStyleId>{5940675A-B579-460E-94D1-54222C63F5DA}</a:tableStyleId>
+              </a:tblPr>
+              <a:tblGrid>
+                <a:gridCol w="257541">
+                  <a:extLst>
+                    <a:ext uri="{9D8B030D-6E8A-4147-A177-3AD203B41FA5}">
+                      <a16:colId xmlns:a16="http://schemas.microsoft.com/office/drawing/2014/main" val="1113564468"/>
+                    </a:ext>
+                  </a:extLst>
+                </a:gridCol>
+              </a:tblGrid>
+              <a:tr h="284137">
+                <a:tc>
+                  <a:txBody>
+                    <a:bodyPr/>
+                    <a:lstStyle/>
+                    <a:p>
+                      <a:r>
+                        <a:rPr lang="en-US" altLang="zh-CN" sz="1400" dirty="0"/>
+                        <a:t>0</a:t>
+                      </a:r>
+                      <a:endParaRPr lang="zh-CN" altLang="en-US" sz="1400" dirty="0"/>
+                    </a:p>
+                  </a:txBody>
+                  <a:tcPr marL="70061" marR="70061" marT="35031" marB="35031"/>
+                </a:tc>
+                <a:extLst>
+                  <a:ext uri="{0D108BD9-81ED-4DB2-BD59-A6C34878D82A}">
+                    <a16:rowId xmlns:a16="http://schemas.microsoft.com/office/drawing/2014/main" val="73271790"/>
+                  </a:ext>
+                </a:extLst>
+              </a:tr>
+              <a:tr h="284137">
+                <a:tc>
+                  <a:txBody>
+                    <a:bodyPr/>
+                    <a:lstStyle/>
+                    <a:p>
+                      <a:r>
+                        <a:rPr lang="en-US" altLang="zh-CN" sz="1400" dirty="0"/>
+                        <a:t>0</a:t>
+                      </a:r>
+                      <a:endParaRPr lang="zh-CN" altLang="en-US" sz="1400" dirty="0"/>
+                    </a:p>
+                  </a:txBody>
+                  <a:tcPr marL="70061" marR="70061" marT="35031" marB="35031"/>
+                </a:tc>
+                <a:extLst>
+                  <a:ext uri="{0D108BD9-81ED-4DB2-BD59-A6C34878D82A}">
+                    <a16:rowId xmlns:a16="http://schemas.microsoft.com/office/drawing/2014/main" val="2100254294"/>
+                  </a:ext>
+                </a:extLst>
+              </a:tr>
+              <a:tr h="284137">
+                <a:tc>
+                  <a:txBody>
+                    <a:bodyPr/>
+                    <a:lstStyle/>
+                    <a:p>
+                      <a:r>
+                        <a:rPr lang="en-US" altLang="zh-CN" sz="1400" dirty="0"/>
+                        <a:t>1</a:t>
+                      </a:r>
+                      <a:endParaRPr lang="zh-CN" altLang="en-US" sz="1400" dirty="0"/>
+                    </a:p>
+                  </a:txBody>
+                  <a:tcPr marL="70061" marR="70061" marT="35031" marB="35031"/>
+                </a:tc>
+                <a:extLst>
+                  <a:ext uri="{0D108BD9-81ED-4DB2-BD59-A6C34878D82A}">
+                    <a16:rowId xmlns:a16="http://schemas.microsoft.com/office/drawing/2014/main" val="3796026834"/>
+                  </a:ext>
+                </a:extLst>
+              </a:tr>
+              <a:tr h="284137">
+                <a:tc>
+                  <a:txBody>
+                    <a:bodyPr/>
+                    <a:lstStyle/>
+                    <a:p>
+                      <a:r>
+                        <a:rPr lang="en-US" altLang="zh-CN" sz="1400" dirty="0"/>
+                        <a:t>0</a:t>
+                      </a:r>
+                      <a:endParaRPr lang="zh-CN" altLang="en-US" sz="1400" dirty="0"/>
+                    </a:p>
+                  </a:txBody>
+                  <a:tcPr marL="70061" marR="70061" marT="35031" marB="35031"/>
+                </a:tc>
+                <a:extLst>
+                  <a:ext uri="{0D108BD9-81ED-4DB2-BD59-A6C34878D82A}">
+                    <a16:rowId xmlns:a16="http://schemas.microsoft.com/office/drawing/2014/main" val="1013154685"/>
+                  </a:ext>
+                </a:extLst>
+              </a:tr>
+              <a:tr h="284137">
+                <a:tc>
+                  <a:txBody>
+                    <a:bodyPr/>
+                    <a:lstStyle/>
+                    <a:p>
+                      <a:r>
+                        <a:rPr lang="en-US" altLang="zh-CN" sz="1400" dirty="0"/>
+                        <a:t>0</a:t>
+                      </a:r>
+                      <a:endParaRPr lang="zh-CN" altLang="en-US" sz="1400" dirty="0"/>
+                    </a:p>
+                  </a:txBody>
+                  <a:tcPr marL="70061" marR="70061" marT="35031" marB="35031"/>
+                </a:tc>
+                <a:extLst>
+                  <a:ext uri="{0D108BD9-81ED-4DB2-BD59-A6C34878D82A}">
+                    <a16:rowId xmlns:a16="http://schemas.microsoft.com/office/drawing/2014/main" val="1730857888"/>
+                  </a:ext>
+                </a:extLst>
+              </a:tr>
+              <a:tr h="284137">
+                <a:tc>
+                  <a:txBody>
+                    <a:bodyPr/>
+                    <a:lstStyle/>
+                    <a:p>
+                      <a:r>
+                        <a:rPr lang="en-US" altLang="zh-CN" sz="1400" dirty="0"/>
+                        <a:t>0</a:t>
+                      </a:r>
+                      <a:endParaRPr lang="zh-CN" altLang="en-US" sz="1400" dirty="0"/>
+                    </a:p>
+                  </a:txBody>
+                  <a:tcPr marL="70061" marR="70061" marT="35031" marB="35031"/>
+                </a:tc>
+                <a:extLst>
+                  <a:ext uri="{0D108BD9-81ED-4DB2-BD59-A6C34878D82A}">
+                    <a16:rowId xmlns:a16="http://schemas.microsoft.com/office/drawing/2014/main" val="1236587095"/>
+                  </a:ext>
+                </a:extLst>
+              </a:tr>
+              <a:tr h="284137">
+                <a:tc>
+                  <a:txBody>
+                    <a:bodyPr/>
+                    <a:lstStyle/>
+                    <a:p>
+                      <a:r>
+                        <a:rPr lang="en-US" altLang="zh-CN" sz="1400" dirty="0"/>
+                        <a:t>0</a:t>
+                      </a:r>
+                      <a:endParaRPr lang="zh-CN" altLang="en-US" sz="1400" dirty="0"/>
+                    </a:p>
+                  </a:txBody>
+                  <a:tcPr marL="70061" marR="70061" marT="35031" marB="35031"/>
+                </a:tc>
+                <a:extLst>
+                  <a:ext uri="{0D108BD9-81ED-4DB2-BD59-A6C34878D82A}">
+                    <a16:rowId xmlns:a16="http://schemas.microsoft.com/office/drawing/2014/main" val="1849301842"/>
+                  </a:ext>
+                </a:extLst>
+              </a:tr>
+              <a:tr h="284137">
+                <a:tc>
+                  <a:txBody>
+                    <a:bodyPr/>
+                    <a:lstStyle/>
+                    <a:p>
+                      <a:r>
+                        <a:rPr lang="en-US" altLang="zh-CN" sz="1400" dirty="0"/>
+                        <a:t>0</a:t>
+                      </a:r>
+                      <a:endParaRPr lang="zh-CN" altLang="en-US" sz="1400" dirty="0"/>
+                    </a:p>
+                  </a:txBody>
+                  <a:tcPr marL="70061" marR="70061" marT="35031" marB="35031"/>
+                </a:tc>
+                <a:extLst>
+                  <a:ext uri="{0D108BD9-81ED-4DB2-BD59-A6C34878D82A}">
+                    <a16:rowId xmlns:a16="http://schemas.microsoft.com/office/drawing/2014/main" val="3034643788"/>
+                  </a:ext>
+                </a:extLst>
+              </a:tr>
+            </a:tbl>
+          </a:graphicData>
+        </a:graphic>
+      </p:graphicFrame>
+      <p:graphicFrame>
+        <p:nvGraphicFramePr>
+          <p:cNvPr id="29" name="表格 28">
+            <a:extLst>
+              <a:ext uri="{FF2B5EF4-FFF2-40B4-BE49-F238E27FC236}">
+                <a16:creationId xmlns:a16="http://schemas.microsoft.com/office/drawing/2014/main" id="{692ACF4D-D9DA-4DAB-A073-9C3ADDB906DA}"/>
+              </a:ext>
+            </a:extLst>
+          </p:cNvPr>
+          <p:cNvGraphicFramePr>
+            <a:graphicFrameLocks noGrp="1"/>
+          </p:cNvGraphicFramePr>
+          <p:nvPr>
+            <p:extLst>
+              <p:ext uri="{D42A27DB-BD31-4B8C-83A1-F6EECF244321}">
+                <p14:modId xmlns:p14="http://schemas.microsoft.com/office/powerpoint/2010/main" val="1492049435"/>
+              </p:ext>
+            </p:extLst>
+          </p:nvPr>
+        </p:nvGraphicFramePr>
+        <p:xfrm>
+          <a:off x="5880966" y="250767"/>
+          <a:ext cx="257541" cy="2273096"/>
+        </p:xfrm>
+        <a:graphic>
+          <a:graphicData uri="http://schemas.openxmlformats.org/drawingml/2006/table">
+            <a:tbl>
+              <a:tblPr firstRow="1" bandRow="1">
+                <a:tableStyleId>{5940675A-B579-460E-94D1-54222C63F5DA}</a:tableStyleId>
+              </a:tblPr>
+              <a:tblGrid>
+                <a:gridCol w="257541">
+                  <a:extLst>
+                    <a:ext uri="{9D8B030D-6E8A-4147-A177-3AD203B41FA5}">
+                      <a16:colId xmlns:a16="http://schemas.microsoft.com/office/drawing/2014/main" val="1113564468"/>
+                    </a:ext>
+                  </a:extLst>
+                </a:gridCol>
+              </a:tblGrid>
+              <a:tr h="284137">
+                <a:tc>
+                  <a:txBody>
+                    <a:bodyPr/>
+                    <a:lstStyle/>
+                    <a:p>
+                      <a:pPr marL="0" marR="0" lvl="0" indent="0" algn="ctr" defTabSz="914400" rtl="0" eaLnBrk="1" fontAlgn="auto" latinLnBrk="0" hangingPunct="1">
+                        <a:lnSpc>
+                          <a:spcPct val="100000"/>
+                        </a:lnSpc>
+                        <a:spcBef>
+                          <a:spcPts val="0"/>
+                        </a:spcBef>
+                        <a:spcAft>
+                          <a:spcPts val="0"/>
+                        </a:spcAft>
+                        <a:buClrTx/>
+                        <a:buSzTx/>
+                        <a:buFontTx/>
+                        <a:buNone/>
+                        <a:tabLst/>
+                        <a:defRPr/>
+                      </a:pPr>
+                      <a:r>
+                        <a:rPr kumimoji="0" lang="zh-CN" altLang="en-US" sz="1200" b="0" i="0" u="none" strike="noStrike" kern="1200" cap="none" spc="0" normalizeH="0" baseline="0" noProof="0">
+                          <a:ln>
+                            <a:noFill/>
+                          </a:ln>
+                          <a:solidFill>
+                            <a:srgbClr val="FF0000"/>
+                          </a:solidFill>
+                          <a:effectLst/>
+                          <a:uLnTx/>
+                          <a:uFillTx/>
+                          <a:latin typeface="Segoe UI Emoji" panose="020B0502040204020203" pitchFamily="34" charset="0"/>
+                          <a:ea typeface="等线" panose="02010600030101010101" pitchFamily="2" charset="-122"/>
+                          <a:cs typeface="+mn-cs"/>
+                        </a:rPr>
+                        <a:t>🍎</a:t>
+                      </a:r>
+                      <a:endParaRPr kumimoji="0" lang="zh-CN" altLang="en-US" sz="1200" b="0" i="0" u="none" strike="noStrike" kern="1200" cap="none" spc="0" normalizeH="0" baseline="0" noProof="0" dirty="0">
+                        <a:ln>
+                          <a:noFill/>
+                        </a:ln>
+                        <a:solidFill>
+                          <a:prstClr val="black"/>
+                        </a:solidFill>
+                        <a:effectLst/>
+                        <a:uLnTx/>
+                        <a:uFillTx/>
+                        <a:latin typeface="等线" panose="020F0502020204030204"/>
+                        <a:ea typeface="等线" panose="02010600030101010101" pitchFamily="2" charset="-122"/>
+                        <a:cs typeface="+mn-cs"/>
+                      </a:endParaRPr>
+                    </a:p>
+                  </a:txBody>
+                  <a:tcPr marL="70061" marR="70061" marT="35031" marB="35031"/>
+                </a:tc>
+                <a:extLst>
+                  <a:ext uri="{0D108BD9-81ED-4DB2-BD59-A6C34878D82A}">
+                    <a16:rowId xmlns:a16="http://schemas.microsoft.com/office/drawing/2014/main" val="73271790"/>
+                  </a:ext>
+                </a:extLst>
+              </a:tr>
+              <a:tr h="284137">
+                <a:tc>
+                  <a:txBody>
+                    <a:bodyPr/>
+                    <a:lstStyle/>
+                    <a:p>
+                      <a:pPr marL="0" marR="0" lvl="0" indent="0" algn="ctr" defTabSz="914400" rtl="0" eaLnBrk="1" fontAlgn="auto" latinLnBrk="0" hangingPunct="1">
+                        <a:lnSpc>
+                          <a:spcPct val="100000"/>
+                        </a:lnSpc>
+                        <a:spcBef>
+                          <a:spcPts val="0"/>
+                        </a:spcBef>
+                        <a:spcAft>
+                          <a:spcPts val="0"/>
+                        </a:spcAft>
+                        <a:buClrTx/>
+                        <a:buSzTx/>
+                        <a:buFontTx/>
+                        <a:buNone/>
+                        <a:tabLst/>
+                        <a:defRPr/>
+                      </a:pPr>
+                      <a:r>
+                        <a:rPr kumimoji="0" lang="zh-CN" altLang="en-US" sz="1200" b="0" i="0" u="none" strike="noStrike" kern="1200" cap="none" spc="0" normalizeH="0" baseline="0" noProof="0">
+                          <a:ln>
+                            <a:noFill/>
+                          </a:ln>
+                          <a:solidFill>
+                            <a:srgbClr val="FF0000"/>
+                          </a:solidFill>
+                          <a:effectLst/>
+                          <a:uLnTx/>
+                          <a:uFillTx/>
+                          <a:latin typeface="Segoe UI Emoji" panose="020B0502040204020203" pitchFamily="34" charset="0"/>
+                          <a:ea typeface="等线" panose="02010600030101010101" pitchFamily="2" charset="-122"/>
+                          <a:cs typeface="+mn-cs"/>
+                        </a:rPr>
+                        <a:t>🍎</a:t>
+                      </a:r>
+                      <a:endParaRPr kumimoji="0" lang="zh-CN" altLang="en-US" sz="1200" b="0" i="0" u="none" strike="noStrike" kern="1200" cap="none" spc="0" normalizeH="0" baseline="0" noProof="0" dirty="0">
+                        <a:ln>
+                          <a:noFill/>
+                        </a:ln>
+                        <a:solidFill>
+                          <a:prstClr val="black"/>
+                        </a:solidFill>
+                        <a:effectLst/>
+                        <a:uLnTx/>
+                        <a:uFillTx/>
+                        <a:latin typeface="等线" panose="020F0502020204030204"/>
+                        <a:ea typeface="等线" panose="02010600030101010101" pitchFamily="2" charset="-122"/>
+                        <a:cs typeface="+mn-cs"/>
+                      </a:endParaRPr>
+                    </a:p>
+                  </a:txBody>
+                  <a:tcPr marL="70061" marR="70061" marT="35031" marB="35031"/>
+                </a:tc>
+                <a:extLst>
+                  <a:ext uri="{0D108BD9-81ED-4DB2-BD59-A6C34878D82A}">
+                    <a16:rowId xmlns:a16="http://schemas.microsoft.com/office/drawing/2014/main" val="2100254294"/>
+                  </a:ext>
+                </a:extLst>
+              </a:tr>
+              <a:tr h="284137">
+                <a:tc>
+                  <a:txBody>
+                    <a:bodyPr/>
+                    <a:lstStyle/>
+                    <a:p>
+                      <a:pPr marL="0" marR="0" lvl="0" indent="0" algn="ctr" defTabSz="914400" rtl="0" eaLnBrk="1" fontAlgn="auto" latinLnBrk="0" hangingPunct="1">
+                        <a:lnSpc>
+                          <a:spcPct val="100000"/>
+                        </a:lnSpc>
+                        <a:spcBef>
+                          <a:spcPts val="0"/>
+                        </a:spcBef>
+                        <a:spcAft>
+                          <a:spcPts val="0"/>
+                        </a:spcAft>
+                        <a:buClrTx/>
+                        <a:buSzTx/>
+                        <a:buFontTx/>
+                        <a:buNone/>
+                        <a:tabLst/>
+                        <a:defRPr/>
+                      </a:pPr>
+                      <a:r>
+                        <a:rPr kumimoji="0" lang="zh-CN" altLang="en-US" sz="1200" b="0" i="0" u="none" strike="noStrike" kern="1200" cap="none" spc="0" normalizeH="0" baseline="0" noProof="0">
+                          <a:ln>
+                            <a:noFill/>
+                          </a:ln>
+                          <a:solidFill>
+                            <a:srgbClr val="FF0000"/>
+                          </a:solidFill>
+                          <a:effectLst/>
+                          <a:uLnTx/>
+                          <a:uFillTx/>
+                          <a:latin typeface="Segoe UI Emoji" panose="020B0502040204020203" pitchFamily="34" charset="0"/>
+                          <a:ea typeface="等线" panose="02010600030101010101" pitchFamily="2" charset="-122"/>
+                          <a:cs typeface="+mn-cs"/>
+                        </a:rPr>
+                        <a:t>🍎</a:t>
+                      </a:r>
+                      <a:endParaRPr kumimoji="0" lang="zh-CN" altLang="en-US" sz="1200" b="0" i="0" u="none" strike="noStrike" kern="1200" cap="none" spc="0" normalizeH="0" baseline="0" noProof="0" dirty="0">
+                        <a:ln>
+                          <a:noFill/>
+                        </a:ln>
+                        <a:solidFill>
+                          <a:prstClr val="black"/>
+                        </a:solidFill>
+                        <a:effectLst/>
+                        <a:uLnTx/>
+                        <a:uFillTx/>
+                        <a:latin typeface="等线" panose="020F0502020204030204"/>
+                        <a:ea typeface="等线" panose="02010600030101010101" pitchFamily="2" charset="-122"/>
+                        <a:cs typeface="+mn-cs"/>
+                      </a:endParaRPr>
+                    </a:p>
+                  </a:txBody>
+                  <a:tcPr marL="70061" marR="70061" marT="35031" marB="35031"/>
+                </a:tc>
+                <a:extLst>
+                  <a:ext uri="{0D108BD9-81ED-4DB2-BD59-A6C34878D82A}">
+                    <a16:rowId xmlns:a16="http://schemas.microsoft.com/office/drawing/2014/main" val="3796026834"/>
+                  </a:ext>
+                </a:extLst>
+              </a:tr>
+              <a:tr h="284137">
+                <a:tc>
+                  <a:txBody>
+                    <a:bodyPr/>
+                    <a:lstStyle/>
+                    <a:p>
+                      <a:pPr marL="0" marR="0" lvl="0" indent="0" algn="ctr" defTabSz="914400" rtl="0" eaLnBrk="1" fontAlgn="auto" latinLnBrk="0" hangingPunct="1">
+                        <a:lnSpc>
+                          <a:spcPct val="100000"/>
+                        </a:lnSpc>
+                        <a:spcBef>
+                          <a:spcPts val="0"/>
+                        </a:spcBef>
+                        <a:spcAft>
+                          <a:spcPts val="0"/>
+                        </a:spcAft>
+                        <a:buClrTx/>
+                        <a:buSzTx/>
+                        <a:buFontTx/>
+                        <a:buNone/>
+                        <a:tabLst/>
+                        <a:defRPr/>
+                      </a:pPr>
+                      <a:r>
+                        <a:rPr kumimoji="0" lang="zh-CN" altLang="en-US" sz="1200" b="0" i="0" u="none" strike="noStrike" kern="1200" cap="none" spc="0" normalizeH="0" baseline="0" noProof="0">
+                          <a:ln>
+                            <a:noFill/>
+                          </a:ln>
+                          <a:solidFill>
+                            <a:srgbClr val="FF0000"/>
+                          </a:solidFill>
+                          <a:effectLst/>
+                          <a:uLnTx/>
+                          <a:uFillTx/>
+                          <a:latin typeface="Segoe UI Emoji" panose="020B0502040204020203" pitchFamily="34" charset="0"/>
+                          <a:ea typeface="等线" panose="02010600030101010101" pitchFamily="2" charset="-122"/>
+                          <a:cs typeface="+mn-cs"/>
+                        </a:rPr>
+                        <a:t>🍎</a:t>
+                      </a:r>
+                      <a:endParaRPr kumimoji="0" lang="zh-CN" altLang="en-US" sz="1200" b="0" i="0" u="none" strike="noStrike" kern="1200" cap="none" spc="0" normalizeH="0" baseline="0" noProof="0" dirty="0">
+                        <a:ln>
+                          <a:noFill/>
+                        </a:ln>
+                        <a:solidFill>
+                          <a:prstClr val="black"/>
+                        </a:solidFill>
+                        <a:effectLst/>
+                        <a:uLnTx/>
+                        <a:uFillTx/>
+                        <a:latin typeface="等线" panose="020F0502020204030204"/>
+                        <a:ea typeface="等线" panose="02010600030101010101" pitchFamily="2" charset="-122"/>
+                        <a:cs typeface="+mn-cs"/>
+                      </a:endParaRPr>
+                    </a:p>
+                  </a:txBody>
+                  <a:tcPr marL="70061" marR="70061" marT="35031" marB="35031"/>
+                </a:tc>
+                <a:extLst>
+                  <a:ext uri="{0D108BD9-81ED-4DB2-BD59-A6C34878D82A}">
+                    <a16:rowId xmlns:a16="http://schemas.microsoft.com/office/drawing/2014/main" val="1013154685"/>
+                  </a:ext>
+                </a:extLst>
+              </a:tr>
+              <a:tr h="284137">
+                <a:tc>
+                  <a:txBody>
+                    <a:bodyPr/>
+                    <a:lstStyle/>
+                    <a:p>
+                      <a:pPr marL="0" marR="0" lvl="0" indent="0" algn="ctr" defTabSz="914400" rtl="0" eaLnBrk="1" fontAlgn="auto" latinLnBrk="0" hangingPunct="1">
+                        <a:lnSpc>
+                          <a:spcPct val="100000"/>
+                        </a:lnSpc>
+                        <a:spcBef>
+                          <a:spcPts val="0"/>
+                        </a:spcBef>
+                        <a:spcAft>
+                          <a:spcPts val="0"/>
+                        </a:spcAft>
+                        <a:buClrTx/>
+                        <a:buSzTx/>
+                        <a:buFontTx/>
+                        <a:buNone/>
+                        <a:tabLst/>
+                        <a:defRPr/>
+                      </a:pPr>
+                      <a:r>
+                        <a:rPr kumimoji="0" lang="zh-CN" altLang="en-US" sz="1200" b="0" i="0" u="none" strike="noStrike" kern="1200" cap="none" spc="0" normalizeH="0" baseline="0" noProof="0">
+                          <a:ln>
+                            <a:noFill/>
+                          </a:ln>
+                          <a:solidFill>
+                            <a:srgbClr val="FF0000"/>
+                          </a:solidFill>
+                          <a:effectLst/>
+                          <a:uLnTx/>
+                          <a:uFillTx/>
+                          <a:latin typeface="Segoe UI Emoji" panose="020B0502040204020203" pitchFamily="34" charset="0"/>
+                          <a:ea typeface="等线" panose="02010600030101010101" pitchFamily="2" charset="-122"/>
+                          <a:cs typeface="+mn-cs"/>
+                        </a:rPr>
+                        <a:t>🍎</a:t>
+                      </a:r>
+                      <a:endParaRPr kumimoji="0" lang="zh-CN" altLang="en-US" sz="1200" b="0" i="0" u="none" strike="noStrike" kern="1200" cap="none" spc="0" normalizeH="0" baseline="0" noProof="0" dirty="0">
+                        <a:ln>
+                          <a:noFill/>
+                        </a:ln>
+                        <a:solidFill>
+                          <a:prstClr val="black"/>
+                        </a:solidFill>
+                        <a:effectLst/>
+                        <a:uLnTx/>
+                        <a:uFillTx/>
+                        <a:latin typeface="等线" panose="020F0502020204030204"/>
+                        <a:ea typeface="等线" panose="02010600030101010101" pitchFamily="2" charset="-122"/>
+                        <a:cs typeface="+mn-cs"/>
+                      </a:endParaRPr>
+                    </a:p>
+                  </a:txBody>
+                  <a:tcPr marL="70061" marR="70061" marT="35031" marB="35031"/>
+                </a:tc>
+                <a:extLst>
+                  <a:ext uri="{0D108BD9-81ED-4DB2-BD59-A6C34878D82A}">
+                    <a16:rowId xmlns:a16="http://schemas.microsoft.com/office/drawing/2014/main" val="1730857888"/>
+                  </a:ext>
+                </a:extLst>
+              </a:tr>
+              <a:tr h="284137">
+                <a:tc>
+                  <a:txBody>
+                    <a:bodyPr/>
+                    <a:lstStyle/>
+                    <a:p>
+                      <a:pPr marL="0" marR="0" lvl="0" indent="0" algn="ctr" defTabSz="914400" rtl="0" eaLnBrk="1" fontAlgn="auto" latinLnBrk="0" hangingPunct="1">
+                        <a:lnSpc>
+                          <a:spcPct val="100000"/>
+                        </a:lnSpc>
+                        <a:spcBef>
+                          <a:spcPts val="0"/>
+                        </a:spcBef>
+                        <a:spcAft>
+                          <a:spcPts val="0"/>
+                        </a:spcAft>
+                        <a:buClrTx/>
+                        <a:buSzTx/>
+                        <a:buFontTx/>
+                        <a:buNone/>
+                        <a:tabLst/>
+                        <a:defRPr/>
+                      </a:pPr>
+                      <a:r>
+                        <a:rPr kumimoji="0" lang="zh-CN" altLang="en-US" sz="1200" b="0" i="0" u="none" strike="noStrike" kern="1200" cap="none" spc="0" normalizeH="0" baseline="0" noProof="0">
+                          <a:ln>
+                            <a:noFill/>
+                          </a:ln>
+                          <a:solidFill>
+                            <a:srgbClr val="FF0000"/>
+                          </a:solidFill>
+                          <a:effectLst/>
+                          <a:uLnTx/>
+                          <a:uFillTx/>
+                          <a:latin typeface="Segoe UI Emoji" panose="020B0502040204020203" pitchFamily="34" charset="0"/>
+                          <a:ea typeface="等线" panose="02010600030101010101" pitchFamily="2" charset="-122"/>
+                          <a:cs typeface="+mn-cs"/>
+                        </a:rPr>
+                        <a:t>🍎</a:t>
+                      </a:r>
+                      <a:endParaRPr kumimoji="0" lang="zh-CN" altLang="en-US" sz="1200" b="0" i="0" u="none" strike="noStrike" kern="1200" cap="none" spc="0" normalizeH="0" baseline="0" noProof="0" dirty="0">
+                        <a:ln>
+                          <a:noFill/>
+                        </a:ln>
+                        <a:solidFill>
+                          <a:prstClr val="black"/>
+                        </a:solidFill>
+                        <a:effectLst/>
+                        <a:uLnTx/>
+                        <a:uFillTx/>
+                        <a:latin typeface="等线" panose="020F0502020204030204"/>
+                        <a:ea typeface="等线" panose="02010600030101010101" pitchFamily="2" charset="-122"/>
+                        <a:cs typeface="+mn-cs"/>
+                      </a:endParaRPr>
+                    </a:p>
+                  </a:txBody>
+                  <a:tcPr marL="70061" marR="70061" marT="35031" marB="35031"/>
+                </a:tc>
+                <a:extLst>
+                  <a:ext uri="{0D108BD9-81ED-4DB2-BD59-A6C34878D82A}">
+                    <a16:rowId xmlns:a16="http://schemas.microsoft.com/office/drawing/2014/main" val="1236587095"/>
+                  </a:ext>
+                </a:extLst>
+              </a:tr>
+              <a:tr h="284137">
+                <a:tc>
+                  <a:txBody>
+                    <a:bodyPr/>
+                    <a:lstStyle/>
+                    <a:p>
+                      <a:pPr marL="0" marR="0" lvl="0" indent="0" algn="ctr" defTabSz="914400" rtl="0" eaLnBrk="1" fontAlgn="auto" latinLnBrk="0" hangingPunct="1">
+                        <a:lnSpc>
+                          <a:spcPct val="100000"/>
+                        </a:lnSpc>
+                        <a:spcBef>
+                          <a:spcPts val="0"/>
+                        </a:spcBef>
+                        <a:spcAft>
+                          <a:spcPts val="0"/>
+                        </a:spcAft>
+                        <a:buClrTx/>
+                        <a:buSzTx/>
+                        <a:buFontTx/>
+                        <a:buNone/>
+                        <a:tabLst/>
+                        <a:defRPr/>
+                      </a:pPr>
+                      <a:r>
+                        <a:rPr kumimoji="0" lang="zh-CN" altLang="en-US" sz="1200" b="0" i="0" u="none" strike="noStrike" kern="1200" cap="none" spc="0" normalizeH="0" baseline="0" noProof="0">
+                          <a:ln>
+                            <a:noFill/>
+                          </a:ln>
+                          <a:solidFill>
+                            <a:srgbClr val="FF0000"/>
+                          </a:solidFill>
+                          <a:effectLst/>
+                          <a:uLnTx/>
+                          <a:uFillTx/>
+                          <a:latin typeface="Segoe UI Emoji" panose="020B0502040204020203" pitchFamily="34" charset="0"/>
+                          <a:ea typeface="等线" panose="02010600030101010101" pitchFamily="2" charset="-122"/>
+                          <a:cs typeface="+mn-cs"/>
+                        </a:rPr>
+                        <a:t>🍎</a:t>
+                      </a:r>
+                      <a:endParaRPr kumimoji="0" lang="zh-CN" altLang="en-US" sz="1200" b="0" i="0" u="none" strike="noStrike" kern="1200" cap="none" spc="0" normalizeH="0" baseline="0" noProof="0" dirty="0">
+                        <a:ln>
+                          <a:noFill/>
+                        </a:ln>
+                        <a:solidFill>
+                          <a:prstClr val="black"/>
+                        </a:solidFill>
+                        <a:effectLst/>
+                        <a:uLnTx/>
+                        <a:uFillTx/>
+                        <a:latin typeface="等线" panose="020F0502020204030204"/>
+                        <a:ea typeface="等线" panose="02010600030101010101" pitchFamily="2" charset="-122"/>
+                        <a:cs typeface="+mn-cs"/>
+                      </a:endParaRPr>
+                    </a:p>
+                  </a:txBody>
+                  <a:tcPr marL="70061" marR="70061" marT="35031" marB="35031"/>
+                </a:tc>
+                <a:extLst>
+                  <a:ext uri="{0D108BD9-81ED-4DB2-BD59-A6C34878D82A}">
+                    <a16:rowId xmlns:a16="http://schemas.microsoft.com/office/drawing/2014/main" val="1849301842"/>
+                  </a:ext>
+                </a:extLst>
+              </a:tr>
+              <a:tr h="284137">
+                <a:tc>
+                  <a:txBody>
+                    <a:bodyPr/>
+                    <a:lstStyle/>
+                    <a:p>
+                      <a:pPr marL="0" marR="0" lvl="0" indent="0" algn="ctr" defTabSz="914400" rtl="0" eaLnBrk="1" fontAlgn="auto" latinLnBrk="0" hangingPunct="1">
+                        <a:lnSpc>
+                          <a:spcPct val="100000"/>
+                        </a:lnSpc>
+                        <a:spcBef>
+                          <a:spcPts val="0"/>
+                        </a:spcBef>
+                        <a:spcAft>
+                          <a:spcPts val="0"/>
+                        </a:spcAft>
+                        <a:buClrTx/>
+                        <a:buSzTx/>
+                        <a:buFontTx/>
+                        <a:buNone/>
+                        <a:tabLst/>
+                        <a:defRPr/>
+                      </a:pPr>
+                      <a:r>
+                        <a:rPr kumimoji="0" lang="zh-CN" altLang="en-US" sz="1200" b="0" i="0" u="none" strike="noStrike" kern="1200" cap="none" spc="0" normalizeH="0" baseline="0" noProof="0" dirty="0">
+                          <a:ln>
+                            <a:noFill/>
+                          </a:ln>
+                          <a:solidFill>
+                            <a:srgbClr val="FF0000"/>
+                          </a:solidFill>
+                          <a:effectLst/>
+                          <a:uLnTx/>
+                          <a:uFillTx/>
+                          <a:latin typeface="Segoe UI Emoji" panose="020B0502040204020203" pitchFamily="34" charset="0"/>
+                          <a:ea typeface="等线" panose="02010600030101010101" pitchFamily="2" charset="-122"/>
+                          <a:cs typeface="+mn-cs"/>
+                        </a:rPr>
+                        <a:t>🍎</a:t>
+                      </a:r>
+                      <a:endParaRPr kumimoji="0" lang="zh-CN" altLang="en-US" sz="1200" b="0" i="0" u="none" strike="noStrike" kern="1200" cap="none" spc="0" normalizeH="0" baseline="0" noProof="0" dirty="0">
+                        <a:ln>
+                          <a:noFill/>
+                        </a:ln>
+                        <a:solidFill>
+                          <a:prstClr val="black"/>
+                        </a:solidFill>
+                        <a:effectLst/>
+                        <a:uLnTx/>
+                        <a:uFillTx/>
+                        <a:latin typeface="等线" panose="020F0502020204030204"/>
+                        <a:ea typeface="等线" panose="02010600030101010101" pitchFamily="2" charset="-122"/>
+                        <a:cs typeface="+mn-cs"/>
+                      </a:endParaRPr>
+                    </a:p>
+                  </a:txBody>
+                  <a:tcPr marL="70061" marR="70061" marT="35031" marB="35031"/>
+                </a:tc>
+                <a:extLst>
+                  <a:ext uri="{0D108BD9-81ED-4DB2-BD59-A6C34878D82A}">
+                    <a16:rowId xmlns:a16="http://schemas.microsoft.com/office/drawing/2014/main" val="3034643788"/>
+                  </a:ext>
+                </a:extLst>
+              </a:tr>
+            </a:tbl>
+          </a:graphicData>
+        </a:graphic>
+      </p:graphicFrame>
+    </p:spTree>
+    <p:extLst>
+      <p:ext uri="{BB962C8B-B14F-4D97-AF65-F5344CB8AC3E}">
+        <p14:creationId xmlns:p14="http://schemas.microsoft.com/office/powerpoint/2010/main" val="79626868"/>
+      </p:ext>
+    </p:extLst>
+  </p:cSld>
+  <p:clrMapOvr>
+    <a:masterClrMapping/>
+  </p:clrMapOvr>
+</p:sld>
+</file>
+
 <file path=ppt/theme/theme1.xml><?xml version="1.0" encoding="utf-8"?>
 <a:theme xmlns:a="http://schemas.openxmlformats.org/drawingml/2006/main" name="Office 主题​​">
   <a:themeElements>
